--- a/13_Allowing others to run your code.pptx
+++ b/13_Allowing others to run your code.pptx
@@ -11,14 +11,22 @@
     <p:sldId id="256" r:id="rId6"/>
     <p:sldId id="257" r:id="rId7"/>
     <p:sldId id="258" r:id="rId8"/>
+    <p:sldId id="259" r:id="rId9"/>
+    <p:sldId id="260" r:id="rId10"/>
+    <p:sldId id="261" r:id="rId11"/>
+    <p:sldId id="262" r:id="rId12"/>
+    <p:sldId id="263" r:id="rId13"/>
+    <p:sldId id="264" r:id="rId14"/>
+    <p:sldId id="265" r:id="rId15"/>
+    <p:sldId id="266" r:id="rId16"/>
   </p:sldIdLst>
   <p:sldSz cy="5143500" cx="9144000"/>
   <p:notesSz cx="6858000" cy="9144000"/>
   <p:embeddedFontLst>
     <p:embeddedFont>
       <p:font typeface="Amatic SC"/>
-      <p:regular r:id="rId9"/>
-      <p:bold r:id="rId10"/>
+      <p:regular r:id="rId17"/>
+      <p:bold r:id="rId18"/>
     </p:embeddedFont>
   </p:embeddedFontLst>
   <p:defaultTextStyle>
@@ -794,12 +802,12 @@
 </p:notes>
 </file>
 
-<file path=ppt/notesSlides/notesSlide2.xml><?xml version="1.0" encoding="utf-8"?>
+<file path=ppt/notesSlides/notesSlide10.xml><?xml version="1.0" encoding="utf-8"?>
 <p:notes xmlns:a="http://schemas.openxmlformats.org/drawingml/2006/main" xmlns:r="http://schemas.openxmlformats.org/officeDocument/2006/relationships" xmlns:mc="http://schemas.openxmlformats.org/markup-compatibility/2006" xmlns:mv="urn:schemas-microsoft-com:mac:vml" xmlns:p="http://schemas.openxmlformats.org/presentationml/2006/main" xmlns:c="http://schemas.openxmlformats.org/drawingml/2006/chart" xmlns:dgm="http://schemas.openxmlformats.org/drawingml/2006/diagram" xmlns:o="urn:schemas-microsoft-com:office:office" xmlns:v="urn:schemas-microsoft-com:vml" xmlns:pvml="urn:schemas-microsoft-com:office:powerpoint" xmlns:com="http://schemas.openxmlformats.org/drawingml/2006/compatibility" xmlns:p14="http://schemas.microsoft.com/office/powerpoint/2010/main" xmlns:p15="http://schemas.microsoft.com/office/powerpoint/2012/main" xmlns:ahyp="http://schemas.microsoft.com/office/drawing/2018/hyperlinkcolor" showMasterPhAnim="0" showMasterSp="0">
   <p:cSld>
     <p:spTree>
       <p:nvGrpSpPr>
-        <p:cNvPr id="56" name="Shape 56"/>
+        <p:cNvPr id="105" name="Shape 105"/>
         <p:cNvGrpSpPr/>
         <p:nvPr/>
       </p:nvGrpSpPr>
@@ -813,7 +821,7 @@
       </p:grpSpPr>
       <p:sp>
         <p:nvSpPr>
-          <p:cNvPr id="57" name="Google Shape;57;g1282c038b4a_0_0:notes"/>
+          <p:cNvPr id="106" name="Google Shape;106;g12fd89b552e_0_24:notes"/>
           <p:cNvSpPr/>
           <p:nvPr>
             <p:ph idx="2" type="sldImg"/>
@@ -848,7 +856,7 @@
       </p:sp>
       <p:sp>
         <p:nvSpPr>
-          <p:cNvPr id="58" name="Google Shape;58;g1282c038b4a_0_0:notes"/>
+          <p:cNvPr id="107" name="Google Shape;107;g12fd89b552e_0_24:notes"/>
           <p:cNvSpPr txBox="1"/>
           <p:nvPr>
             <p:ph idx="1" type="body"/>
@@ -893,12 +901,12 @@
 </p:notes>
 </file>
 
-<file path=ppt/notesSlides/notesSlide3.xml><?xml version="1.0" encoding="utf-8"?>
+<file path=ppt/notesSlides/notesSlide11.xml><?xml version="1.0" encoding="utf-8"?>
 <p:notes xmlns:a="http://schemas.openxmlformats.org/drawingml/2006/main" xmlns:r="http://schemas.openxmlformats.org/officeDocument/2006/relationships" xmlns:mc="http://schemas.openxmlformats.org/markup-compatibility/2006" xmlns:mv="urn:schemas-microsoft-com:mac:vml" xmlns:p="http://schemas.openxmlformats.org/presentationml/2006/main" xmlns:c="http://schemas.openxmlformats.org/drawingml/2006/chart" xmlns:dgm="http://schemas.openxmlformats.org/drawingml/2006/diagram" xmlns:o="urn:schemas-microsoft-com:office:office" xmlns:v="urn:schemas-microsoft-com:vml" xmlns:pvml="urn:schemas-microsoft-com:office:powerpoint" xmlns:com="http://schemas.openxmlformats.org/drawingml/2006/compatibility" xmlns:p14="http://schemas.microsoft.com/office/powerpoint/2010/main" xmlns:p15="http://schemas.microsoft.com/office/powerpoint/2012/main" xmlns:ahyp="http://schemas.microsoft.com/office/drawing/2018/hyperlinkcolor" showMasterPhAnim="0" showMasterSp="0">
   <p:cSld>
     <p:spTree>
       <p:nvGrpSpPr>
-        <p:cNvPr id="62" name="Shape 62"/>
+        <p:cNvPr id="113" name="Shape 113"/>
         <p:cNvGrpSpPr/>
         <p:nvPr/>
       </p:nvGrpSpPr>
@@ -912,7 +920,7 @@
       </p:grpSpPr>
       <p:sp>
         <p:nvSpPr>
-          <p:cNvPr id="63" name="Google Shape;63;g12605e4fc21_0_0:notes"/>
+          <p:cNvPr id="114" name="Google Shape;114;g12e6282d3ac_3_0:notes"/>
           <p:cNvSpPr/>
           <p:nvPr>
             <p:ph idx="2" type="sldImg"/>
@@ -947,7 +955,602 @@
       </p:sp>
       <p:sp>
         <p:nvSpPr>
-          <p:cNvPr id="64" name="Google Shape;64;g12605e4fc21_0_0:notes"/>
+          <p:cNvPr id="115" name="Google Shape;115;g12e6282d3ac_3_0:notes"/>
+          <p:cNvSpPr txBox="1"/>
+          <p:nvPr>
+            <p:ph idx="1" type="body"/>
+          </p:nvPr>
+        </p:nvSpPr>
+        <p:spPr>
+          <a:xfrm>
+            <a:off x="685800" y="4343400"/>
+            <a:ext cx="5486400" cy="4114800"/>
+          </a:xfrm>
+          <a:prstGeom prst="rect">
+            <a:avLst/>
+          </a:prstGeom>
+        </p:spPr>
+        <p:txBody>
+          <a:bodyPr anchorCtr="0" anchor="t" bIns="91425" lIns="91425" spcFirstLastPara="1" rIns="91425" wrap="square" tIns="91425">
+            <a:noAutofit/>
+          </a:bodyPr>
+          <a:lstStyle/>
+          <a:p>
+            <a:pPr indent="0" lvl="0" marL="0" rtl="0" algn="l">
+              <a:spcBef>
+                <a:spcPts val="0"/>
+              </a:spcBef>
+              <a:spcAft>
+                <a:spcPts val="0"/>
+              </a:spcAft>
+              <a:buNone/>
+            </a:pPr>
+            <a:r>
+              <a:rPr lang="en-GB"/>
+              <a:t>Exercise: take your repo and paste into binder</a:t>
+            </a:r>
+            <a:endParaRPr/>
+          </a:p>
+        </p:txBody>
+      </p:sp>
+    </p:spTree>
+  </p:cSld>
+  <p:clrMapOvr>
+    <a:masterClrMapping/>
+  </p:clrMapOvr>
+</p:notes>
+</file>
+
+<file path=ppt/notesSlides/notesSlide2.xml><?xml version="1.0" encoding="utf-8"?>
+<p:notes xmlns:a="http://schemas.openxmlformats.org/drawingml/2006/main" xmlns:r="http://schemas.openxmlformats.org/officeDocument/2006/relationships" xmlns:mc="http://schemas.openxmlformats.org/markup-compatibility/2006" xmlns:mv="urn:schemas-microsoft-com:mac:vml" xmlns:p="http://schemas.openxmlformats.org/presentationml/2006/main" xmlns:c="http://schemas.openxmlformats.org/drawingml/2006/chart" xmlns:dgm="http://schemas.openxmlformats.org/drawingml/2006/diagram" xmlns:o="urn:schemas-microsoft-com:office:office" xmlns:v="urn:schemas-microsoft-com:vml" xmlns:pvml="urn:schemas-microsoft-com:office:powerpoint" xmlns:com="http://schemas.openxmlformats.org/drawingml/2006/compatibility" xmlns:p14="http://schemas.microsoft.com/office/powerpoint/2010/main" xmlns:p15="http://schemas.microsoft.com/office/powerpoint/2012/main" xmlns:ahyp="http://schemas.microsoft.com/office/drawing/2018/hyperlinkcolor" showMasterPhAnim="0" showMasterSp="0">
+  <p:cSld>
+    <p:spTree>
+      <p:nvGrpSpPr>
+        <p:cNvPr id="56" name="Shape 56"/>
+        <p:cNvGrpSpPr/>
+        <p:nvPr/>
+      </p:nvGrpSpPr>
+      <p:grpSpPr>
+        <a:xfrm>
+          <a:off x="0" y="0"/>
+          <a:ext cx="0" cy="0"/>
+          <a:chOff x="0" y="0"/>
+          <a:chExt cx="0" cy="0"/>
+        </a:xfrm>
+      </p:grpSpPr>
+      <p:sp>
+        <p:nvSpPr>
+          <p:cNvPr id="57" name="Google Shape;57;g12e6282d3ac_0_0:notes"/>
+          <p:cNvSpPr/>
+          <p:nvPr>
+            <p:ph idx="2" type="sldImg"/>
+          </p:nvPr>
+        </p:nvSpPr>
+        <p:spPr>
+          <a:xfrm>
+            <a:off x="381300" y="685800"/>
+            <a:ext cx="6096000" cy="3429000"/>
+          </a:xfrm>
+          <a:custGeom>
+            <a:rect b="b" l="l" r="r" t="t"/>
+            <a:pathLst>
+              <a:path extrusionOk="0" h="120000" w="120000">
+                <a:moveTo>
+                  <a:pt x="0" y="0"/>
+                </a:moveTo>
+                <a:lnTo>
+                  <a:pt x="120000" y="0"/>
+                </a:lnTo>
+                <a:lnTo>
+                  <a:pt x="120000" y="120000"/>
+                </a:lnTo>
+                <a:lnTo>
+                  <a:pt x="0" y="120000"/>
+                </a:lnTo>
+                <a:close/>
+              </a:path>
+            </a:pathLst>
+          </a:custGeom>
+        </p:spPr>
+      </p:sp>
+      <p:sp>
+        <p:nvSpPr>
+          <p:cNvPr id="58" name="Google Shape;58;g12e6282d3ac_0_0:notes"/>
+          <p:cNvSpPr txBox="1"/>
+          <p:nvPr>
+            <p:ph idx="1" type="body"/>
+          </p:nvPr>
+        </p:nvSpPr>
+        <p:spPr>
+          <a:xfrm>
+            <a:off x="685800" y="4343400"/>
+            <a:ext cx="5486400" cy="4114800"/>
+          </a:xfrm>
+          <a:prstGeom prst="rect">
+            <a:avLst/>
+          </a:prstGeom>
+        </p:spPr>
+        <p:txBody>
+          <a:bodyPr anchorCtr="0" anchor="t" bIns="91425" lIns="91425" spcFirstLastPara="1" rIns="91425" wrap="square" tIns="91425">
+            <a:noAutofit/>
+          </a:bodyPr>
+          <a:lstStyle/>
+          <a:p>
+            <a:pPr indent="0" lvl="0" marL="0" rtl="0" algn="l">
+              <a:spcBef>
+                <a:spcPts val="0"/>
+              </a:spcBef>
+              <a:spcAft>
+                <a:spcPts val="0"/>
+              </a:spcAft>
+              <a:buNone/>
+            </a:pPr>
+            <a:r>
+              <a:t/>
+            </a:r>
+            <a:endParaRPr/>
+          </a:p>
+        </p:txBody>
+      </p:sp>
+    </p:spTree>
+  </p:cSld>
+  <p:clrMapOvr>
+    <a:masterClrMapping/>
+  </p:clrMapOvr>
+</p:notes>
+</file>
+
+<file path=ppt/notesSlides/notesSlide3.xml><?xml version="1.0" encoding="utf-8"?>
+<p:notes xmlns:a="http://schemas.openxmlformats.org/drawingml/2006/main" xmlns:r="http://schemas.openxmlformats.org/officeDocument/2006/relationships" xmlns:mc="http://schemas.openxmlformats.org/markup-compatibility/2006" xmlns:mv="urn:schemas-microsoft-com:mac:vml" xmlns:p="http://schemas.openxmlformats.org/presentationml/2006/main" xmlns:c="http://schemas.openxmlformats.org/drawingml/2006/chart" xmlns:dgm="http://schemas.openxmlformats.org/drawingml/2006/diagram" xmlns:o="urn:schemas-microsoft-com:office:office" xmlns:v="urn:schemas-microsoft-com:vml" xmlns:pvml="urn:schemas-microsoft-com:office:powerpoint" xmlns:com="http://schemas.openxmlformats.org/drawingml/2006/compatibility" xmlns:p14="http://schemas.microsoft.com/office/powerpoint/2010/main" xmlns:p15="http://schemas.microsoft.com/office/powerpoint/2012/main" xmlns:ahyp="http://schemas.microsoft.com/office/drawing/2018/hyperlinkcolor" showMasterPhAnim="0" showMasterSp="0">
+  <p:cSld>
+    <p:spTree>
+      <p:nvGrpSpPr>
+        <p:cNvPr id="62" name="Shape 62"/>
+        <p:cNvGrpSpPr/>
+        <p:nvPr/>
+      </p:nvGrpSpPr>
+      <p:grpSpPr>
+        <a:xfrm>
+          <a:off x="0" y="0"/>
+          <a:ext cx="0" cy="0"/>
+          <a:chOff x="0" y="0"/>
+          <a:chExt cx="0" cy="0"/>
+        </a:xfrm>
+      </p:grpSpPr>
+      <p:sp>
+        <p:nvSpPr>
+          <p:cNvPr id="63" name="Google Shape;63;g12e6282d3ac_0_9:notes"/>
+          <p:cNvSpPr/>
+          <p:nvPr>
+            <p:ph idx="2" type="sldImg"/>
+          </p:nvPr>
+        </p:nvSpPr>
+        <p:spPr>
+          <a:xfrm>
+            <a:off x="381300" y="685800"/>
+            <a:ext cx="6096000" cy="3429000"/>
+          </a:xfrm>
+          <a:custGeom>
+            <a:rect b="b" l="l" r="r" t="t"/>
+            <a:pathLst>
+              <a:path extrusionOk="0" h="120000" w="120000">
+                <a:moveTo>
+                  <a:pt x="0" y="0"/>
+                </a:moveTo>
+                <a:lnTo>
+                  <a:pt x="120000" y="0"/>
+                </a:lnTo>
+                <a:lnTo>
+                  <a:pt x="120000" y="120000"/>
+                </a:lnTo>
+                <a:lnTo>
+                  <a:pt x="0" y="120000"/>
+                </a:lnTo>
+                <a:close/>
+              </a:path>
+            </a:pathLst>
+          </a:custGeom>
+        </p:spPr>
+      </p:sp>
+      <p:sp>
+        <p:nvSpPr>
+          <p:cNvPr id="64" name="Google Shape;64;g12e6282d3ac_0_9:notes"/>
+          <p:cNvSpPr txBox="1"/>
+          <p:nvPr>
+            <p:ph idx="1" type="body"/>
+          </p:nvPr>
+        </p:nvSpPr>
+        <p:spPr>
+          <a:xfrm>
+            <a:off x="685800" y="4343400"/>
+            <a:ext cx="5486400" cy="4114800"/>
+          </a:xfrm>
+          <a:prstGeom prst="rect">
+            <a:avLst/>
+          </a:prstGeom>
+        </p:spPr>
+        <p:txBody>
+          <a:bodyPr anchorCtr="0" anchor="t" bIns="91425" lIns="91425" spcFirstLastPara="1" rIns="91425" wrap="square" tIns="91425">
+            <a:noAutofit/>
+          </a:bodyPr>
+          <a:lstStyle/>
+          <a:p>
+            <a:pPr indent="0" lvl="0" marL="0" rtl="0" algn="l">
+              <a:spcBef>
+                <a:spcPts val="0"/>
+              </a:spcBef>
+              <a:spcAft>
+                <a:spcPts val="0"/>
+              </a:spcAft>
+              <a:buNone/>
+            </a:pPr>
+            <a:r>
+              <a:t/>
+            </a:r>
+            <a:endParaRPr/>
+          </a:p>
+        </p:txBody>
+      </p:sp>
+    </p:spTree>
+  </p:cSld>
+  <p:clrMapOvr>
+    <a:masterClrMapping/>
+  </p:clrMapOvr>
+</p:notes>
+</file>
+
+<file path=ppt/notesSlides/notesSlide4.xml><?xml version="1.0" encoding="utf-8"?>
+<p:notes xmlns:a="http://schemas.openxmlformats.org/drawingml/2006/main" xmlns:r="http://schemas.openxmlformats.org/officeDocument/2006/relationships" xmlns:mc="http://schemas.openxmlformats.org/markup-compatibility/2006" xmlns:mv="urn:schemas-microsoft-com:mac:vml" xmlns:p="http://schemas.openxmlformats.org/presentationml/2006/main" xmlns:c="http://schemas.openxmlformats.org/drawingml/2006/chart" xmlns:dgm="http://schemas.openxmlformats.org/drawingml/2006/diagram" xmlns:o="urn:schemas-microsoft-com:office:office" xmlns:v="urn:schemas-microsoft-com:vml" xmlns:pvml="urn:schemas-microsoft-com:office:powerpoint" xmlns:com="http://schemas.openxmlformats.org/drawingml/2006/compatibility" xmlns:p14="http://schemas.microsoft.com/office/powerpoint/2010/main" xmlns:p15="http://schemas.microsoft.com/office/powerpoint/2012/main" xmlns:ahyp="http://schemas.microsoft.com/office/drawing/2018/hyperlinkcolor" showMasterPhAnim="0" showMasterSp="0">
+  <p:cSld>
+    <p:spTree>
+      <p:nvGrpSpPr>
+        <p:cNvPr id="67" name="Shape 67"/>
+        <p:cNvGrpSpPr/>
+        <p:nvPr/>
+      </p:nvGrpSpPr>
+      <p:grpSpPr>
+        <a:xfrm>
+          <a:off x="0" y="0"/>
+          <a:ext cx="0" cy="0"/>
+          <a:chOff x="0" y="0"/>
+          <a:chExt cx="0" cy="0"/>
+        </a:xfrm>
+      </p:grpSpPr>
+      <p:sp>
+        <p:nvSpPr>
+          <p:cNvPr id="68" name="Google Shape;68;g1282c038b4a_0_0:notes"/>
+          <p:cNvSpPr/>
+          <p:nvPr>
+            <p:ph idx="2" type="sldImg"/>
+          </p:nvPr>
+        </p:nvSpPr>
+        <p:spPr>
+          <a:xfrm>
+            <a:off x="381300" y="685800"/>
+            <a:ext cx="6096000" cy="3429000"/>
+          </a:xfrm>
+          <a:custGeom>
+            <a:rect b="b" l="l" r="r" t="t"/>
+            <a:pathLst>
+              <a:path extrusionOk="0" h="120000" w="120000">
+                <a:moveTo>
+                  <a:pt x="0" y="0"/>
+                </a:moveTo>
+                <a:lnTo>
+                  <a:pt x="120000" y="0"/>
+                </a:lnTo>
+                <a:lnTo>
+                  <a:pt x="120000" y="120000"/>
+                </a:lnTo>
+                <a:lnTo>
+                  <a:pt x="0" y="120000"/>
+                </a:lnTo>
+                <a:close/>
+              </a:path>
+            </a:pathLst>
+          </a:custGeom>
+        </p:spPr>
+      </p:sp>
+      <p:sp>
+        <p:nvSpPr>
+          <p:cNvPr id="69" name="Google Shape;69;g1282c038b4a_0_0:notes"/>
+          <p:cNvSpPr txBox="1"/>
+          <p:nvPr>
+            <p:ph idx="1" type="body"/>
+          </p:nvPr>
+        </p:nvSpPr>
+        <p:spPr>
+          <a:xfrm>
+            <a:off x="685800" y="4343400"/>
+            <a:ext cx="5486400" cy="4114800"/>
+          </a:xfrm>
+          <a:prstGeom prst="rect">
+            <a:avLst/>
+          </a:prstGeom>
+        </p:spPr>
+        <p:txBody>
+          <a:bodyPr anchorCtr="0" anchor="t" bIns="91425" lIns="91425" spcFirstLastPara="1" rIns="91425" wrap="square" tIns="91425">
+            <a:noAutofit/>
+          </a:bodyPr>
+          <a:lstStyle/>
+          <a:p>
+            <a:pPr indent="0" lvl="0" marL="0" rtl="0" algn="l">
+              <a:spcBef>
+                <a:spcPts val="0"/>
+              </a:spcBef>
+              <a:spcAft>
+                <a:spcPts val="0"/>
+              </a:spcAft>
+              <a:buNone/>
+            </a:pPr>
+            <a:r>
+              <a:t/>
+            </a:r>
+            <a:endParaRPr/>
+          </a:p>
+        </p:txBody>
+      </p:sp>
+    </p:spTree>
+  </p:cSld>
+  <p:clrMapOvr>
+    <a:masterClrMapping/>
+  </p:clrMapOvr>
+</p:notes>
+</file>
+
+<file path=ppt/notesSlides/notesSlide5.xml><?xml version="1.0" encoding="utf-8"?>
+<p:notes xmlns:a="http://schemas.openxmlformats.org/drawingml/2006/main" xmlns:r="http://schemas.openxmlformats.org/officeDocument/2006/relationships" xmlns:mc="http://schemas.openxmlformats.org/markup-compatibility/2006" xmlns:mv="urn:schemas-microsoft-com:mac:vml" xmlns:p="http://schemas.openxmlformats.org/presentationml/2006/main" xmlns:c="http://schemas.openxmlformats.org/drawingml/2006/chart" xmlns:dgm="http://schemas.openxmlformats.org/drawingml/2006/diagram" xmlns:o="urn:schemas-microsoft-com:office:office" xmlns:v="urn:schemas-microsoft-com:vml" xmlns:pvml="urn:schemas-microsoft-com:office:powerpoint" xmlns:com="http://schemas.openxmlformats.org/drawingml/2006/compatibility" xmlns:p14="http://schemas.microsoft.com/office/powerpoint/2010/main" xmlns:p15="http://schemas.microsoft.com/office/powerpoint/2012/main" xmlns:ahyp="http://schemas.microsoft.com/office/drawing/2018/hyperlinkcolor" showMasterPhAnim="0" showMasterSp="0">
+  <p:cSld>
+    <p:spTree>
+      <p:nvGrpSpPr>
+        <p:cNvPr id="73" name="Shape 73"/>
+        <p:cNvGrpSpPr/>
+        <p:nvPr/>
+      </p:nvGrpSpPr>
+      <p:grpSpPr>
+        <a:xfrm>
+          <a:off x="0" y="0"/>
+          <a:ext cx="0" cy="0"/>
+          <a:chOff x="0" y="0"/>
+          <a:chExt cx="0" cy="0"/>
+        </a:xfrm>
+      </p:grpSpPr>
+      <p:sp>
+        <p:nvSpPr>
+          <p:cNvPr id="74" name="Google Shape;74;g12fd89b552e_0_0:notes"/>
+          <p:cNvSpPr/>
+          <p:nvPr>
+            <p:ph idx="2" type="sldImg"/>
+          </p:nvPr>
+        </p:nvSpPr>
+        <p:spPr>
+          <a:xfrm>
+            <a:off x="381300" y="685800"/>
+            <a:ext cx="6096000" cy="3429000"/>
+          </a:xfrm>
+          <a:custGeom>
+            <a:rect b="b" l="l" r="r" t="t"/>
+            <a:pathLst>
+              <a:path extrusionOk="0" h="120000" w="120000">
+                <a:moveTo>
+                  <a:pt x="0" y="0"/>
+                </a:moveTo>
+                <a:lnTo>
+                  <a:pt x="120000" y="0"/>
+                </a:lnTo>
+                <a:lnTo>
+                  <a:pt x="120000" y="120000"/>
+                </a:lnTo>
+                <a:lnTo>
+                  <a:pt x="0" y="120000"/>
+                </a:lnTo>
+                <a:close/>
+              </a:path>
+            </a:pathLst>
+          </a:custGeom>
+        </p:spPr>
+      </p:sp>
+      <p:sp>
+        <p:nvSpPr>
+          <p:cNvPr id="75" name="Google Shape;75;g12fd89b552e_0_0:notes"/>
+          <p:cNvSpPr txBox="1"/>
+          <p:nvPr>
+            <p:ph idx="1" type="body"/>
+          </p:nvPr>
+        </p:nvSpPr>
+        <p:spPr>
+          <a:xfrm>
+            <a:off x="685800" y="4343400"/>
+            <a:ext cx="5486400" cy="4114800"/>
+          </a:xfrm>
+          <a:prstGeom prst="rect">
+            <a:avLst/>
+          </a:prstGeom>
+        </p:spPr>
+        <p:txBody>
+          <a:bodyPr anchorCtr="0" anchor="t" bIns="91425" lIns="91425" spcFirstLastPara="1" rIns="91425" wrap="square" tIns="91425">
+            <a:noAutofit/>
+          </a:bodyPr>
+          <a:lstStyle/>
+          <a:p>
+            <a:pPr indent="0" lvl="0" marL="0" rtl="0" algn="l">
+              <a:spcBef>
+                <a:spcPts val="0"/>
+              </a:spcBef>
+              <a:spcAft>
+                <a:spcPts val="0"/>
+              </a:spcAft>
+              <a:buNone/>
+            </a:pPr>
+            <a:r>
+              <a:t/>
+            </a:r>
+            <a:endParaRPr/>
+          </a:p>
+        </p:txBody>
+      </p:sp>
+    </p:spTree>
+  </p:cSld>
+  <p:clrMapOvr>
+    <a:masterClrMapping/>
+  </p:clrMapOvr>
+</p:notes>
+</file>
+
+<file path=ppt/notesSlides/notesSlide6.xml><?xml version="1.0" encoding="utf-8"?>
+<p:notes xmlns:a="http://schemas.openxmlformats.org/drawingml/2006/main" xmlns:r="http://schemas.openxmlformats.org/officeDocument/2006/relationships" xmlns:mc="http://schemas.openxmlformats.org/markup-compatibility/2006" xmlns:mv="urn:schemas-microsoft-com:mac:vml" xmlns:p="http://schemas.openxmlformats.org/presentationml/2006/main" xmlns:c="http://schemas.openxmlformats.org/drawingml/2006/chart" xmlns:dgm="http://schemas.openxmlformats.org/drawingml/2006/diagram" xmlns:o="urn:schemas-microsoft-com:office:office" xmlns:v="urn:schemas-microsoft-com:vml" xmlns:pvml="urn:schemas-microsoft-com:office:powerpoint" xmlns:com="http://schemas.openxmlformats.org/drawingml/2006/compatibility" xmlns:p14="http://schemas.microsoft.com/office/powerpoint/2010/main" xmlns:p15="http://schemas.microsoft.com/office/powerpoint/2012/main" xmlns:ahyp="http://schemas.microsoft.com/office/drawing/2018/hyperlinkcolor" showMasterPhAnim="0" showMasterSp="0">
+  <p:cSld>
+    <p:spTree>
+      <p:nvGrpSpPr>
+        <p:cNvPr id="79" name="Shape 79"/>
+        <p:cNvGrpSpPr/>
+        <p:nvPr/>
+      </p:nvGrpSpPr>
+      <p:grpSpPr>
+        <a:xfrm>
+          <a:off x="0" y="0"/>
+          <a:ext cx="0" cy="0"/>
+          <a:chOff x="0" y="0"/>
+          <a:chExt cx="0" cy="0"/>
+        </a:xfrm>
+      </p:grpSpPr>
+      <p:sp>
+        <p:nvSpPr>
+          <p:cNvPr id="80" name="Google Shape;80;g12fd89b552e_0_5:notes"/>
+          <p:cNvSpPr/>
+          <p:nvPr>
+            <p:ph idx="2" type="sldImg"/>
+          </p:nvPr>
+        </p:nvSpPr>
+        <p:spPr>
+          <a:xfrm>
+            <a:off x="381300" y="685800"/>
+            <a:ext cx="6096000" cy="3429000"/>
+          </a:xfrm>
+          <a:custGeom>
+            <a:rect b="b" l="l" r="r" t="t"/>
+            <a:pathLst>
+              <a:path extrusionOk="0" h="120000" w="120000">
+                <a:moveTo>
+                  <a:pt x="0" y="0"/>
+                </a:moveTo>
+                <a:lnTo>
+                  <a:pt x="120000" y="0"/>
+                </a:lnTo>
+                <a:lnTo>
+                  <a:pt x="120000" y="120000"/>
+                </a:lnTo>
+                <a:lnTo>
+                  <a:pt x="0" y="120000"/>
+                </a:lnTo>
+                <a:close/>
+              </a:path>
+            </a:pathLst>
+          </a:custGeom>
+        </p:spPr>
+      </p:sp>
+      <p:sp>
+        <p:nvSpPr>
+          <p:cNvPr id="81" name="Google Shape;81;g12fd89b552e_0_5:notes"/>
+          <p:cNvSpPr txBox="1"/>
+          <p:nvPr>
+            <p:ph idx="1" type="body"/>
+          </p:nvPr>
+        </p:nvSpPr>
+        <p:spPr>
+          <a:xfrm>
+            <a:off x="685800" y="4343400"/>
+            <a:ext cx="5486400" cy="4114800"/>
+          </a:xfrm>
+          <a:prstGeom prst="rect">
+            <a:avLst/>
+          </a:prstGeom>
+        </p:spPr>
+        <p:txBody>
+          <a:bodyPr anchorCtr="0" anchor="t" bIns="91425" lIns="91425" spcFirstLastPara="1" rIns="91425" wrap="square" tIns="91425">
+            <a:noAutofit/>
+          </a:bodyPr>
+          <a:lstStyle/>
+          <a:p>
+            <a:pPr indent="0" lvl="0" marL="0" rtl="0" algn="l">
+              <a:spcBef>
+                <a:spcPts val="0"/>
+              </a:spcBef>
+              <a:spcAft>
+                <a:spcPts val="0"/>
+              </a:spcAft>
+              <a:buNone/>
+            </a:pPr>
+            <a:r>
+              <a:t/>
+            </a:r>
+            <a:endParaRPr/>
+          </a:p>
+        </p:txBody>
+      </p:sp>
+    </p:spTree>
+  </p:cSld>
+  <p:clrMapOvr>
+    <a:masterClrMapping/>
+  </p:clrMapOvr>
+</p:notes>
+</file>
+
+<file path=ppt/notesSlides/notesSlide7.xml><?xml version="1.0" encoding="utf-8"?>
+<p:notes xmlns:a="http://schemas.openxmlformats.org/drawingml/2006/main" xmlns:r="http://schemas.openxmlformats.org/officeDocument/2006/relationships" xmlns:mc="http://schemas.openxmlformats.org/markup-compatibility/2006" xmlns:mv="urn:schemas-microsoft-com:mac:vml" xmlns:p="http://schemas.openxmlformats.org/presentationml/2006/main" xmlns:c="http://schemas.openxmlformats.org/drawingml/2006/chart" xmlns:dgm="http://schemas.openxmlformats.org/drawingml/2006/diagram" xmlns:o="urn:schemas-microsoft-com:office:office" xmlns:v="urn:schemas-microsoft-com:vml" xmlns:pvml="urn:schemas-microsoft-com:office:powerpoint" xmlns:com="http://schemas.openxmlformats.org/drawingml/2006/compatibility" xmlns:p14="http://schemas.microsoft.com/office/powerpoint/2010/main" xmlns:p15="http://schemas.microsoft.com/office/powerpoint/2012/main" xmlns:ahyp="http://schemas.microsoft.com/office/drawing/2018/hyperlinkcolor" showMasterPhAnim="0" showMasterSp="0">
+  <p:cSld>
+    <p:spTree>
+      <p:nvGrpSpPr>
+        <p:cNvPr id="85" name="Shape 85"/>
+        <p:cNvGrpSpPr/>
+        <p:nvPr/>
+      </p:nvGrpSpPr>
+      <p:grpSpPr>
+        <a:xfrm>
+          <a:off x="0" y="0"/>
+          <a:ext cx="0" cy="0"/>
+          <a:chOff x="0" y="0"/>
+          <a:chExt cx="0" cy="0"/>
+        </a:xfrm>
+      </p:grpSpPr>
+      <p:sp>
+        <p:nvSpPr>
+          <p:cNvPr id="86" name="Google Shape;86;g12605e4fc21_0_0:notes"/>
+          <p:cNvSpPr/>
+          <p:nvPr>
+            <p:ph idx="2" type="sldImg"/>
+          </p:nvPr>
+        </p:nvSpPr>
+        <p:spPr>
+          <a:xfrm>
+            <a:off x="381300" y="685800"/>
+            <a:ext cx="6096000" cy="3429000"/>
+          </a:xfrm>
+          <a:custGeom>
+            <a:rect b="b" l="l" r="r" t="t"/>
+            <a:pathLst>
+              <a:path extrusionOk="0" h="120000" w="120000">
+                <a:moveTo>
+                  <a:pt x="0" y="0"/>
+                </a:moveTo>
+                <a:lnTo>
+                  <a:pt x="120000" y="0"/>
+                </a:lnTo>
+                <a:lnTo>
+                  <a:pt x="120000" y="120000"/>
+                </a:lnTo>
+                <a:lnTo>
+                  <a:pt x="0" y="120000"/>
+                </a:lnTo>
+                <a:close/>
+              </a:path>
+            </a:pathLst>
+          </a:custGeom>
+        </p:spPr>
+      </p:sp>
+      <p:sp>
+        <p:nvSpPr>
+          <p:cNvPr id="87" name="Google Shape;87;g12605e4fc21_0_0:notes"/>
           <p:cNvSpPr txBox="1"/>
           <p:nvPr>
             <p:ph idx="1" type="body"/>
@@ -1238,6 +1841,204 @@
             <a:pPr indent="0" lvl="0" marL="0" rtl="0" algn="l">
               <a:spcBef>
                 <a:spcPts val="800"/>
+              </a:spcBef>
+              <a:spcAft>
+                <a:spcPts val="0"/>
+              </a:spcAft>
+              <a:buNone/>
+            </a:pPr>
+            <a:r>
+              <a:t/>
+            </a:r>
+            <a:endParaRPr/>
+          </a:p>
+        </p:txBody>
+      </p:sp>
+    </p:spTree>
+  </p:cSld>
+  <p:clrMapOvr>
+    <a:masterClrMapping/>
+  </p:clrMapOvr>
+</p:notes>
+</file>
+
+<file path=ppt/notesSlides/notesSlide8.xml><?xml version="1.0" encoding="utf-8"?>
+<p:notes xmlns:a="http://schemas.openxmlformats.org/drawingml/2006/main" xmlns:r="http://schemas.openxmlformats.org/officeDocument/2006/relationships" xmlns:mc="http://schemas.openxmlformats.org/markup-compatibility/2006" xmlns:mv="urn:schemas-microsoft-com:mac:vml" xmlns:p="http://schemas.openxmlformats.org/presentationml/2006/main" xmlns:c="http://schemas.openxmlformats.org/drawingml/2006/chart" xmlns:dgm="http://schemas.openxmlformats.org/drawingml/2006/diagram" xmlns:o="urn:schemas-microsoft-com:office:office" xmlns:v="urn:schemas-microsoft-com:vml" xmlns:pvml="urn:schemas-microsoft-com:office:powerpoint" xmlns:com="http://schemas.openxmlformats.org/drawingml/2006/compatibility" xmlns:p14="http://schemas.microsoft.com/office/powerpoint/2010/main" xmlns:p15="http://schemas.microsoft.com/office/powerpoint/2012/main" xmlns:ahyp="http://schemas.microsoft.com/office/drawing/2018/hyperlinkcolor" showMasterPhAnim="0" showMasterSp="0">
+  <p:cSld>
+    <p:spTree>
+      <p:nvGrpSpPr>
+        <p:cNvPr id="92" name="Shape 92"/>
+        <p:cNvGrpSpPr/>
+        <p:nvPr/>
+      </p:nvGrpSpPr>
+      <p:grpSpPr>
+        <a:xfrm>
+          <a:off x="0" y="0"/>
+          <a:ext cx="0" cy="0"/>
+          <a:chOff x="0" y="0"/>
+          <a:chExt cx="0" cy="0"/>
+        </a:xfrm>
+      </p:grpSpPr>
+      <p:sp>
+        <p:nvSpPr>
+          <p:cNvPr id="93" name="Google Shape;93;g12fd89b552e_0_10:notes"/>
+          <p:cNvSpPr/>
+          <p:nvPr>
+            <p:ph idx="2" type="sldImg"/>
+          </p:nvPr>
+        </p:nvSpPr>
+        <p:spPr>
+          <a:xfrm>
+            <a:off x="381300" y="685800"/>
+            <a:ext cx="6096000" cy="3429000"/>
+          </a:xfrm>
+          <a:custGeom>
+            <a:rect b="b" l="l" r="r" t="t"/>
+            <a:pathLst>
+              <a:path extrusionOk="0" h="120000" w="120000">
+                <a:moveTo>
+                  <a:pt x="0" y="0"/>
+                </a:moveTo>
+                <a:lnTo>
+                  <a:pt x="120000" y="0"/>
+                </a:lnTo>
+                <a:lnTo>
+                  <a:pt x="120000" y="120000"/>
+                </a:lnTo>
+                <a:lnTo>
+                  <a:pt x="0" y="120000"/>
+                </a:lnTo>
+                <a:close/>
+              </a:path>
+            </a:pathLst>
+          </a:custGeom>
+        </p:spPr>
+      </p:sp>
+      <p:sp>
+        <p:nvSpPr>
+          <p:cNvPr id="94" name="Google Shape;94;g12fd89b552e_0_10:notes"/>
+          <p:cNvSpPr txBox="1"/>
+          <p:nvPr>
+            <p:ph idx="1" type="body"/>
+          </p:nvPr>
+        </p:nvSpPr>
+        <p:spPr>
+          <a:xfrm>
+            <a:off x="685800" y="4343400"/>
+            <a:ext cx="5486400" cy="4114800"/>
+          </a:xfrm>
+          <a:prstGeom prst="rect">
+            <a:avLst/>
+          </a:prstGeom>
+        </p:spPr>
+        <p:txBody>
+          <a:bodyPr anchorCtr="0" anchor="t" bIns="91425" lIns="91425" spcFirstLastPara="1" rIns="91425" wrap="square" tIns="91425">
+            <a:noAutofit/>
+          </a:bodyPr>
+          <a:lstStyle/>
+          <a:p>
+            <a:pPr indent="0" lvl="0" marL="0" rtl="0" algn="l">
+              <a:spcBef>
+                <a:spcPts val="0"/>
+              </a:spcBef>
+              <a:spcAft>
+                <a:spcPts val="0"/>
+              </a:spcAft>
+              <a:buNone/>
+            </a:pPr>
+            <a:r>
+              <a:t/>
+            </a:r>
+            <a:endParaRPr/>
+          </a:p>
+        </p:txBody>
+      </p:sp>
+    </p:spTree>
+  </p:cSld>
+  <p:clrMapOvr>
+    <a:masterClrMapping/>
+  </p:clrMapOvr>
+</p:notes>
+</file>
+
+<file path=ppt/notesSlides/notesSlide9.xml><?xml version="1.0" encoding="utf-8"?>
+<p:notes xmlns:a="http://schemas.openxmlformats.org/drawingml/2006/main" xmlns:r="http://schemas.openxmlformats.org/officeDocument/2006/relationships" xmlns:mc="http://schemas.openxmlformats.org/markup-compatibility/2006" xmlns:mv="urn:schemas-microsoft-com:mac:vml" xmlns:p="http://schemas.openxmlformats.org/presentationml/2006/main" xmlns:c="http://schemas.openxmlformats.org/drawingml/2006/chart" xmlns:dgm="http://schemas.openxmlformats.org/drawingml/2006/diagram" xmlns:o="urn:schemas-microsoft-com:office:office" xmlns:v="urn:schemas-microsoft-com:vml" xmlns:pvml="urn:schemas-microsoft-com:office:powerpoint" xmlns:com="http://schemas.openxmlformats.org/drawingml/2006/compatibility" xmlns:p14="http://schemas.microsoft.com/office/powerpoint/2010/main" xmlns:p15="http://schemas.microsoft.com/office/powerpoint/2012/main" xmlns:ahyp="http://schemas.microsoft.com/office/drawing/2018/hyperlinkcolor" showMasterPhAnim="0" showMasterSp="0">
+  <p:cSld>
+    <p:spTree>
+      <p:nvGrpSpPr>
+        <p:cNvPr id="99" name="Shape 99"/>
+        <p:cNvGrpSpPr/>
+        <p:nvPr/>
+      </p:nvGrpSpPr>
+      <p:grpSpPr>
+        <a:xfrm>
+          <a:off x="0" y="0"/>
+          <a:ext cx="0" cy="0"/>
+          <a:chOff x="0" y="0"/>
+          <a:chExt cx="0" cy="0"/>
+        </a:xfrm>
+      </p:grpSpPr>
+      <p:sp>
+        <p:nvSpPr>
+          <p:cNvPr id="100" name="Google Shape;100;g12fd89b552e_0_16:notes"/>
+          <p:cNvSpPr/>
+          <p:nvPr>
+            <p:ph idx="2" type="sldImg"/>
+          </p:nvPr>
+        </p:nvSpPr>
+        <p:spPr>
+          <a:xfrm>
+            <a:off x="381300" y="685800"/>
+            <a:ext cx="6096000" cy="3429000"/>
+          </a:xfrm>
+          <a:custGeom>
+            <a:rect b="b" l="l" r="r" t="t"/>
+            <a:pathLst>
+              <a:path extrusionOk="0" h="120000" w="120000">
+                <a:moveTo>
+                  <a:pt x="0" y="0"/>
+                </a:moveTo>
+                <a:lnTo>
+                  <a:pt x="120000" y="0"/>
+                </a:lnTo>
+                <a:lnTo>
+                  <a:pt x="120000" y="120000"/>
+                </a:lnTo>
+                <a:lnTo>
+                  <a:pt x="0" y="120000"/>
+                </a:lnTo>
+                <a:close/>
+              </a:path>
+            </a:pathLst>
+          </a:custGeom>
+        </p:spPr>
+      </p:sp>
+      <p:sp>
+        <p:nvSpPr>
+          <p:cNvPr id="101" name="Google Shape;101;g12fd89b552e_0_16:notes"/>
+          <p:cNvSpPr txBox="1"/>
+          <p:nvPr>
+            <p:ph idx="1" type="body"/>
+          </p:nvPr>
+        </p:nvSpPr>
+        <p:spPr>
+          <a:xfrm>
+            <a:off x="685800" y="4343400"/>
+            <a:ext cx="5486400" cy="4114800"/>
+          </a:xfrm>
+          <a:prstGeom prst="rect">
+            <a:avLst/>
+          </a:prstGeom>
+        </p:spPr>
+        <p:txBody>
+          <a:bodyPr anchorCtr="0" anchor="t" bIns="91425" lIns="91425" spcFirstLastPara="1" rIns="91425" wrap="square" tIns="91425">
+            <a:noAutofit/>
+          </a:bodyPr>
+          <a:lstStyle/>
+          <a:p>
+            <a:pPr indent="0" lvl="0" marL="0" rtl="0" algn="l">
+              <a:spcBef>
+                <a:spcPts val="0"/>
               </a:spcBef>
               <a:spcAft>
                 <a:spcPts val="0"/>
@@ -6022,6 +6823,523 @@
 </p:sld>
 </file>
 
+<file path=ppt/slides/slide10.xml><?xml version="1.0" encoding="utf-8"?>
+<p:sld xmlns:a="http://schemas.openxmlformats.org/drawingml/2006/main" xmlns:r="http://schemas.openxmlformats.org/officeDocument/2006/relationships" xmlns:mc="http://schemas.openxmlformats.org/markup-compatibility/2006" xmlns:mv="urn:schemas-microsoft-com:mac:vml" xmlns:p="http://schemas.openxmlformats.org/presentationml/2006/main" xmlns:c="http://schemas.openxmlformats.org/drawingml/2006/chart" xmlns:dgm="http://schemas.openxmlformats.org/drawingml/2006/diagram" xmlns:o="urn:schemas-microsoft-com:office:office" xmlns:v="urn:schemas-microsoft-com:vml" xmlns:pvml="urn:schemas-microsoft-com:office:powerpoint" xmlns:com="http://schemas.openxmlformats.org/drawingml/2006/compatibility" xmlns:p14="http://schemas.microsoft.com/office/powerpoint/2010/main" xmlns:p15="http://schemas.microsoft.com/office/powerpoint/2012/main" xmlns:ahyp="http://schemas.microsoft.com/office/drawing/2018/hyperlinkcolor">
+  <p:cSld>
+    <p:spTree>
+      <p:nvGrpSpPr>
+        <p:cNvPr id="108" name="Shape 108"/>
+        <p:cNvGrpSpPr/>
+        <p:nvPr/>
+      </p:nvGrpSpPr>
+      <p:grpSpPr>
+        <a:xfrm>
+          <a:off x="0" y="0"/>
+          <a:ext cx="0" cy="0"/>
+          <a:chOff x="0" y="0"/>
+          <a:chExt cx="0" cy="0"/>
+        </a:xfrm>
+      </p:grpSpPr>
+      <p:sp>
+        <p:nvSpPr>
+          <p:cNvPr id="109" name="Google Shape;109;p22"/>
+          <p:cNvSpPr txBox="1"/>
+          <p:nvPr>
+            <p:ph type="title"/>
+          </p:nvPr>
+        </p:nvSpPr>
+        <p:spPr>
+          <a:xfrm>
+            <a:off x="311700" y="445025"/>
+            <a:ext cx="8520600" cy="572700"/>
+          </a:xfrm>
+          <a:prstGeom prst="rect">
+            <a:avLst/>
+          </a:prstGeom>
+        </p:spPr>
+        <p:txBody>
+          <a:bodyPr anchorCtr="0" anchor="t" bIns="91425" lIns="91425" spcFirstLastPara="1" rIns="91425" wrap="square" tIns="91425">
+            <a:noAutofit/>
+          </a:bodyPr>
+          <a:lstStyle/>
+          <a:p>
+            <a:pPr indent="0" lvl="0" marL="0" rtl="0" algn="l">
+              <a:lnSpc>
+                <a:spcPct val="115000"/>
+              </a:lnSpc>
+              <a:spcBef>
+                <a:spcPts val="0"/>
+              </a:spcBef>
+              <a:spcAft>
+                <a:spcPts val="0"/>
+              </a:spcAft>
+              <a:buNone/>
+            </a:pPr>
+            <a:r>
+              <a:rPr b="1" lang="en-GB" sz="1900">
+                <a:solidFill>
+                  <a:schemeClr val="dk2"/>
+                </a:solidFill>
+              </a:rPr>
+              <a:t>Let them run it on another machine</a:t>
+            </a:r>
+            <a:endParaRPr b="1" sz="1900">
+              <a:solidFill>
+                <a:schemeClr val="dk2"/>
+              </a:solidFill>
+            </a:endParaRPr>
+          </a:p>
+          <a:p>
+            <a:pPr indent="0" lvl="0" marL="0" rtl="0" algn="l">
+              <a:lnSpc>
+                <a:spcPct val="115000"/>
+              </a:lnSpc>
+              <a:spcBef>
+                <a:spcPts val="1200"/>
+              </a:spcBef>
+              <a:spcAft>
+                <a:spcPts val="0"/>
+              </a:spcAft>
+              <a:buSzPts val="990"/>
+              <a:buNone/>
+            </a:pPr>
+            <a:r>
+              <a:t/>
+            </a:r>
+            <a:endParaRPr b="1" sz="1920">
+              <a:solidFill>
+                <a:schemeClr val="dk2"/>
+              </a:solidFill>
+            </a:endParaRPr>
+          </a:p>
+          <a:p>
+            <a:pPr indent="0" lvl="0" marL="0" rtl="0" algn="l">
+              <a:spcBef>
+                <a:spcPts val="1200"/>
+              </a:spcBef>
+              <a:spcAft>
+                <a:spcPts val="0"/>
+              </a:spcAft>
+              <a:buSzPts val="990"/>
+              <a:buNone/>
+            </a:pPr>
+            <a:r>
+              <a:t/>
+            </a:r>
+            <a:endParaRPr sz="2520"/>
+          </a:p>
+        </p:txBody>
+      </p:sp>
+      <p:sp>
+        <p:nvSpPr>
+          <p:cNvPr id="110" name="Google Shape;110;p22"/>
+          <p:cNvSpPr txBox="1"/>
+          <p:nvPr>
+            <p:ph idx="1" type="body"/>
+          </p:nvPr>
+        </p:nvSpPr>
+        <p:spPr>
+          <a:xfrm>
+            <a:off x="311700" y="1152475"/>
+            <a:ext cx="2424900" cy="2235000"/>
+          </a:xfrm>
+          <a:prstGeom prst="rect">
+            <a:avLst/>
+          </a:prstGeom>
+        </p:spPr>
+        <p:txBody>
+          <a:bodyPr anchorCtr="0" anchor="t" bIns="91425" lIns="91425" spcFirstLastPara="1" rIns="91425" wrap="square" tIns="91425">
+            <a:normAutofit fontScale="85000" lnSpcReduction="20000"/>
+          </a:bodyPr>
+          <a:lstStyle/>
+          <a:p>
+            <a:pPr indent="0" lvl="0" marL="0" rtl="0" algn="l">
+              <a:spcBef>
+                <a:spcPts val="0"/>
+              </a:spcBef>
+              <a:spcAft>
+                <a:spcPts val="0"/>
+              </a:spcAft>
+              <a:buNone/>
+            </a:pPr>
+            <a:r>
+              <a:rPr b="1" lang="en-GB"/>
+              <a:t>Benefits</a:t>
+            </a:r>
+            <a:endParaRPr b="1"/>
+          </a:p>
+          <a:p>
+            <a:pPr indent="-325755" lvl="0" marL="457200" rtl="0" algn="l">
+              <a:spcBef>
+                <a:spcPts val="1200"/>
+              </a:spcBef>
+              <a:spcAft>
+                <a:spcPts val="0"/>
+              </a:spcAft>
+              <a:buSzPct val="100000"/>
+              <a:buChar char="●"/>
+            </a:pPr>
+            <a:r>
+              <a:rPr lang="en-GB"/>
+              <a:t>Versioning</a:t>
+            </a:r>
+            <a:endParaRPr/>
+          </a:p>
+          <a:p>
+            <a:pPr indent="-325755" lvl="0" marL="457200" rtl="0" algn="l">
+              <a:spcBef>
+                <a:spcPts val="0"/>
+              </a:spcBef>
+              <a:spcAft>
+                <a:spcPts val="0"/>
+              </a:spcAft>
+              <a:buSzPct val="100000"/>
+              <a:buChar char="●"/>
+            </a:pPr>
+            <a:r>
+              <a:rPr lang="en-GB"/>
+              <a:t>Remotely hosted</a:t>
+            </a:r>
+            <a:endParaRPr/>
+          </a:p>
+          <a:p>
+            <a:pPr indent="-325755" lvl="0" marL="457200" rtl="0" algn="l">
+              <a:spcBef>
+                <a:spcPts val="0"/>
+              </a:spcBef>
+              <a:spcAft>
+                <a:spcPts val="0"/>
+              </a:spcAft>
+              <a:buSzPct val="100000"/>
+              <a:buChar char="●"/>
+            </a:pPr>
+            <a:r>
+              <a:rPr lang="en-GB"/>
+              <a:t>Can be on-prem or cloud</a:t>
+            </a:r>
+            <a:endParaRPr/>
+          </a:p>
+          <a:p>
+            <a:pPr indent="-325755" lvl="0" marL="457200" rtl="0" algn="l">
+              <a:spcBef>
+                <a:spcPts val="0"/>
+              </a:spcBef>
+              <a:spcAft>
+                <a:spcPts val="0"/>
+              </a:spcAft>
+              <a:buSzPct val="100000"/>
+              <a:buChar char="●"/>
+            </a:pPr>
+            <a:r>
+              <a:rPr lang="en-GB"/>
+              <a:t>Limit access or OS</a:t>
+            </a:r>
+            <a:endParaRPr/>
+          </a:p>
+          <a:p>
+            <a:pPr indent="-325755" lvl="0" marL="457200" rtl="0" algn="l">
+              <a:spcBef>
+                <a:spcPts val="0"/>
+              </a:spcBef>
+              <a:spcAft>
+                <a:spcPts val="0"/>
+              </a:spcAft>
+              <a:buSzPct val="100000"/>
+              <a:buChar char="●"/>
+            </a:pPr>
+            <a:r>
+              <a:rPr lang="en-GB"/>
+              <a:t>You need to make it reusable</a:t>
+            </a:r>
+            <a:endParaRPr/>
+          </a:p>
+        </p:txBody>
+      </p:sp>
+      <p:sp>
+        <p:nvSpPr>
+          <p:cNvPr id="111" name="Google Shape;111;p22"/>
+          <p:cNvSpPr txBox="1"/>
+          <p:nvPr>
+            <p:ph idx="4294967295" type="body"/>
+          </p:nvPr>
+        </p:nvSpPr>
+        <p:spPr>
+          <a:xfrm>
+            <a:off x="3052273" y="1152475"/>
+            <a:ext cx="2424900" cy="2235000"/>
+          </a:xfrm>
+          <a:prstGeom prst="rect">
+            <a:avLst/>
+          </a:prstGeom>
+        </p:spPr>
+        <p:txBody>
+          <a:bodyPr anchorCtr="0" anchor="t" bIns="91425" lIns="91425" spcFirstLastPara="1" rIns="91425" wrap="square" tIns="91425">
+            <a:normAutofit fontScale="85000"/>
+          </a:bodyPr>
+          <a:lstStyle/>
+          <a:p>
+            <a:pPr indent="0" lvl="0" marL="0" rtl="0" algn="l">
+              <a:spcBef>
+                <a:spcPts val="0"/>
+              </a:spcBef>
+              <a:spcAft>
+                <a:spcPts val="0"/>
+              </a:spcAft>
+              <a:buNone/>
+            </a:pPr>
+            <a:r>
+              <a:rPr b="1" lang="en-GB"/>
+              <a:t>Benefits</a:t>
+            </a:r>
+            <a:endParaRPr/>
+          </a:p>
+          <a:p>
+            <a:pPr indent="-325755" lvl="0" marL="457200" rtl="0" algn="l">
+              <a:spcBef>
+                <a:spcPts val="1200"/>
+              </a:spcBef>
+              <a:spcAft>
+                <a:spcPts val="0"/>
+              </a:spcAft>
+              <a:buSzPct val="100000"/>
+              <a:buChar char="●"/>
+            </a:pPr>
+            <a:r>
+              <a:rPr lang="en-GB"/>
+              <a:t>Repeatable and specified environment</a:t>
+            </a:r>
+            <a:endParaRPr/>
+          </a:p>
+          <a:p>
+            <a:pPr indent="-325755" lvl="0" marL="457200" rtl="0" algn="l">
+              <a:spcBef>
+                <a:spcPts val="0"/>
+              </a:spcBef>
+              <a:spcAft>
+                <a:spcPts val="0"/>
+              </a:spcAft>
+              <a:buSzPct val="100000"/>
+              <a:buChar char="●"/>
+            </a:pPr>
+            <a:r>
+              <a:rPr lang="en-GB"/>
+              <a:t>No dependency hell</a:t>
+            </a:r>
+            <a:endParaRPr/>
+          </a:p>
+          <a:p>
+            <a:pPr indent="-325755" lvl="0" marL="457200" rtl="0" algn="l">
+              <a:spcBef>
+                <a:spcPts val="0"/>
+              </a:spcBef>
+              <a:spcAft>
+                <a:spcPts val="0"/>
+              </a:spcAft>
+              <a:buSzPct val="100000"/>
+              <a:buChar char="●"/>
+            </a:pPr>
+            <a:r>
+              <a:rPr lang="en-GB"/>
+              <a:t>Isolation</a:t>
+            </a:r>
+            <a:endParaRPr/>
+          </a:p>
+          <a:p>
+            <a:pPr indent="-325755" lvl="0" marL="457200" rtl="0" algn="l">
+              <a:spcBef>
+                <a:spcPts val="0"/>
+              </a:spcBef>
+              <a:spcAft>
+                <a:spcPts val="0"/>
+              </a:spcAft>
+              <a:buSzPct val="100000"/>
+              <a:buChar char="●"/>
+            </a:pPr>
+            <a:r>
+              <a:rPr lang="en-GB"/>
+              <a:t>Speed</a:t>
+            </a:r>
+            <a:endParaRPr/>
+          </a:p>
+        </p:txBody>
+      </p:sp>
+      <p:sp>
+        <p:nvSpPr>
+          <p:cNvPr id="112" name="Google Shape;112;p22"/>
+          <p:cNvSpPr txBox="1"/>
+          <p:nvPr>
+            <p:ph idx="1" type="body"/>
+          </p:nvPr>
+        </p:nvSpPr>
+        <p:spPr>
+          <a:xfrm>
+            <a:off x="6048425" y="1152475"/>
+            <a:ext cx="2424900" cy="2235000"/>
+          </a:xfrm>
+          <a:prstGeom prst="rect">
+            <a:avLst/>
+          </a:prstGeom>
+        </p:spPr>
+        <p:txBody>
+          <a:bodyPr anchorCtr="0" anchor="t" bIns="91425" lIns="91425" spcFirstLastPara="1" rIns="91425" wrap="square" tIns="91425">
+            <a:normAutofit/>
+          </a:bodyPr>
+          <a:lstStyle/>
+          <a:p>
+            <a:pPr indent="0" lvl="0" marL="0" rtl="0" algn="l">
+              <a:spcBef>
+                <a:spcPts val="0"/>
+              </a:spcBef>
+              <a:spcAft>
+                <a:spcPts val="0"/>
+              </a:spcAft>
+              <a:buNone/>
+            </a:pPr>
+            <a:r>
+              <a:rPr b="1" lang="en-GB"/>
+              <a:t>Benefits</a:t>
+            </a:r>
+            <a:endParaRPr b="1"/>
+          </a:p>
+          <a:p>
+            <a:pPr indent="-342900" lvl="0" marL="457200" rtl="0" algn="l">
+              <a:spcBef>
+                <a:spcPts val="1200"/>
+              </a:spcBef>
+              <a:spcAft>
+                <a:spcPts val="0"/>
+              </a:spcAft>
+              <a:buSzPts val="1800"/>
+              <a:buChar char="●"/>
+            </a:pPr>
+            <a:r>
+              <a:rPr lang="en-GB"/>
+              <a:t>Shareable</a:t>
+            </a:r>
+            <a:endParaRPr/>
+          </a:p>
+          <a:p>
+            <a:pPr indent="-342900" lvl="0" marL="457200" rtl="0" algn="l">
+              <a:spcBef>
+                <a:spcPts val="0"/>
+              </a:spcBef>
+              <a:spcAft>
+                <a:spcPts val="0"/>
+              </a:spcAft>
+              <a:buSzPts val="1800"/>
+              <a:buChar char="●"/>
+            </a:pPr>
+            <a:r>
+              <a:rPr lang="en-GB"/>
+              <a:t>Run anywhere</a:t>
+            </a:r>
+            <a:endParaRPr/>
+          </a:p>
+        </p:txBody>
+      </p:sp>
+    </p:spTree>
+  </p:cSld>
+  <p:clrMapOvr>
+    <a:masterClrMapping/>
+  </p:clrMapOvr>
+</p:sld>
+</file>
+
+<file path=ppt/slides/slide11.xml><?xml version="1.0" encoding="utf-8"?>
+<p:sld xmlns:a="http://schemas.openxmlformats.org/drawingml/2006/main" xmlns:r="http://schemas.openxmlformats.org/officeDocument/2006/relationships" xmlns:mc="http://schemas.openxmlformats.org/markup-compatibility/2006" xmlns:mv="urn:schemas-microsoft-com:mac:vml" xmlns:p="http://schemas.openxmlformats.org/presentationml/2006/main" xmlns:c="http://schemas.openxmlformats.org/drawingml/2006/chart" xmlns:dgm="http://schemas.openxmlformats.org/drawingml/2006/diagram" xmlns:o="urn:schemas-microsoft-com:office:office" xmlns:v="urn:schemas-microsoft-com:vml" xmlns:pvml="urn:schemas-microsoft-com:office:powerpoint" xmlns:com="http://schemas.openxmlformats.org/drawingml/2006/compatibility" xmlns:p14="http://schemas.microsoft.com/office/powerpoint/2010/main" xmlns:p15="http://schemas.microsoft.com/office/powerpoint/2012/main" xmlns:ahyp="http://schemas.microsoft.com/office/drawing/2018/hyperlinkcolor">
+  <p:cSld>
+    <p:spTree>
+      <p:nvGrpSpPr>
+        <p:cNvPr id="116" name="Shape 116"/>
+        <p:cNvGrpSpPr/>
+        <p:nvPr/>
+      </p:nvGrpSpPr>
+      <p:grpSpPr>
+        <a:xfrm>
+          <a:off x="0" y="0"/>
+          <a:ext cx="0" cy="0"/>
+          <a:chOff x="0" y="0"/>
+          <a:chExt cx="0" cy="0"/>
+        </a:xfrm>
+      </p:grpSpPr>
+      <p:pic>
+        <p:nvPicPr>
+          <p:cNvPr id="117" name="Google Shape;117;p23"/>
+          <p:cNvPicPr preferRelativeResize="0"/>
+          <p:nvPr/>
+        </p:nvPicPr>
+        <p:blipFill>
+          <a:blip r:embed="rId3">
+            <a:alphaModFix/>
+          </a:blip>
+          <a:stretch>
+            <a:fillRect/>
+          </a:stretch>
+        </p:blipFill>
+        <p:spPr>
+          <a:xfrm>
+            <a:off x="1597488" y="152400"/>
+            <a:ext cx="5949032" cy="4838702"/>
+          </a:xfrm>
+          <a:prstGeom prst="rect">
+            <a:avLst/>
+          </a:prstGeom>
+          <a:noFill/>
+          <a:ln>
+            <a:noFill/>
+          </a:ln>
+        </p:spPr>
+      </p:pic>
+      <p:sp>
+        <p:nvSpPr>
+          <p:cNvPr id="118" name="Google Shape;118;p23"/>
+          <p:cNvSpPr txBox="1"/>
+          <p:nvPr/>
+        </p:nvSpPr>
+        <p:spPr>
+          <a:xfrm>
+            <a:off x="359025" y="372200"/>
+            <a:ext cx="2000100" cy="400200"/>
+          </a:xfrm>
+          <a:prstGeom prst="rect">
+            <a:avLst/>
+          </a:prstGeom>
+          <a:noFill/>
+          <a:ln>
+            <a:noFill/>
+          </a:ln>
+        </p:spPr>
+        <p:txBody>
+          <a:bodyPr anchorCtr="0" anchor="t" bIns="91425" lIns="91425" spcFirstLastPara="1" rIns="91425" wrap="square" tIns="91425">
+            <a:spAutoFit/>
+          </a:bodyPr>
+          <a:lstStyle/>
+          <a:p>
+            <a:pPr indent="0" lvl="0" marL="0" rtl="0" algn="l">
+              <a:spcBef>
+                <a:spcPts val="0"/>
+              </a:spcBef>
+              <a:spcAft>
+                <a:spcPts val="0"/>
+              </a:spcAft>
+              <a:buNone/>
+            </a:pPr>
+            <a:r>
+              <a:rPr lang="en-GB"/>
+              <a:t>mybinder.com</a:t>
+            </a:r>
+            <a:endParaRPr/>
+          </a:p>
+        </p:txBody>
+      </p:sp>
+    </p:spTree>
+  </p:cSld>
+  <p:clrMapOvr>
+    <a:masterClrMapping/>
+  </p:clrMapOvr>
+</p:sld>
+</file>
+
 <file path=ppt/slides/slide2.xml><?xml version="1.0" encoding="utf-8"?>
 <p:sld xmlns:a="http://schemas.openxmlformats.org/drawingml/2006/main" xmlns:r="http://schemas.openxmlformats.org/officeDocument/2006/relationships" xmlns:mc="http://schemas.openxmlformats.org/markup-compatibility/2006" xmlns:mv="urn:schemas-microsoft-com:mac:vml" xmlns:p="http://schemas.openxmlformats.org/presentationml/2006/main" xmlns:c="http://schemas.openxmlformats.org/drawingml/2006/chart" xmlns:dgm="http://schemas.openxmlformats.org/drawingml/2006/diagram" xmlns:o="urn:schemas-microsoft-com:office:office" xmlns:v="urn:schemas-microsoft-com:vml" xmlns:pvml="urn:schemas-microsoft-com:office:powerpoint" xmlns:com="http://schemas.openxmlformats.org/drawingml/2006/compatibility" xmlns:p14="http://schemas.microsoft.com/office/powerpoint/2010/main" xmlns:p15="http://schemas.microsoft.com/office/powerpoint/2012/main" xmlns:ahyp="http://schemas.microsoft.com/office/drawing/2018/hyperlinkcolor">
   <p:cSld>
@@ -6039,9 +7357,197 @@
           <a:chExt cx="0" cy="0"/>
         </a:xfrm>
       </p:grpSpPr>
+      <p:pic>
+        <p:nvPicPr>
+          <p:cNvPr id="60" name="Google Shape;60;p14"/>
+          <p:cNvPicPr preferRelativeResize="0"/>
+          <p:nvPr/>
+        </p:nvPicPr>
+        <p:blipFill>
+          <a:blip r:embed="rId3">
+            <a:alphaModFix/>
+          </a:blip>
+          <a:stretch>
+            <a:fillRect/>
+          </a:stretch>
+        </p:blipFill>
+        <p:spPr>
+          <a:xfrm>
+            <a:off x="152400" y="152400"/>
+            <a:ext cx="8839200" cy="2943295"/>
+          </a:xfrm>
+          <a:prstGeom prst="rect">
+            <a:avLst/>
+          </a:prstGeom>
+          <a:noFill/>
+          <a:ln>
+            <a:noFill/>
+          </a:ln>
+          <a:effectLst>
+            <a:outerShdw blurRad="57150" rotWithShape="0" algn="bl" dir="5400000" dist="19050">
+              <a:srgbClr val="000000">
+                <a:alpha val="50000"/>
+              </a:srgbClr>
+            </a:outerShdw>
+          </a:effectLst>
+        </p:spPr>
+      </p:pic>
       <p:sp>
         <p:nvSpPr>
-          <p:cNvPr id="60" name="Google Shape;60;p14"/>
+          <p:cNvPr id="61" name="Google Shape;61;p14"/>
+          <p:cNvSpPr txBox="1"/>
+          <p:nvPr/>
+        </p:nvSpPr>
+        <p:spPr>
+          <a:xfrm>
+            <a:off x="5766875" y="4215200"/>
+            <a:ext cx="3000000" cy="615600"/>
+          </a:xfrm>
+          <a:prstGeom prst="rect">
+            <a:avLst/>
+          </a:prstGeom>
+          <a:noFill/>
+          <a:ln>
+            <a:noFill/>
+          </a:ln>
+        </p:spPr>
+        <p:txBody>
+          <a:bodyPr anchorCtr="0" anchor="t" bIns="91425" lIns="91425" spcFirstLastPara="1" rIns="91425" wrap="square" tIns="91425">
+            <a:spAutoFit/>
+          </a:bodyPr>
+          <a:lstStyle/>
+          <a:p>
+            <a:pPr indent="0" lvl="0" marL="0" rtl="0" algn="l">
+              <a:spcBef>
+                <a:spcPts val="0"/>
+              </a:spcBef>
+              <a:spcAft>
+                <a:spcPts val="0"/>
+              </a:spcAft>
+              <a:buNone/>
+            </a:pPr>
+            <a:r>
+              <a:rPr lang="en-GB"/>
+              <a:t>https://physicstoday.scitation.org/do/10.1063/pt.6.1.20180822a/full/</a:t>
+            </a:r>
+            <a:endParaRPr/>
+          </a:p>
+        </p:txBody>
+      </p:sp>
+    </p:spTree>
+  </p:cSld>
+  <p:clrMapOvr>
+    <a:masterClrMapping/>
+  </p:clrMapOvr>
+</p:sld>
+</file>
+
+<file path=ppt/slides/slide3.xml><?xml version="1.0" encoding="utf-8"?>
+<p:sld xmlns:a="http://schemas.openxmlformats.org/drawingml/2006/main" xmlns:r="http://schemas.openxmlformats.org/officeDocument/2006/relationships" xmlns:mc="http://schemas.openxmlformats.org/markup-compatibility/2006" xmlns:mv="urn:schemas-microsoft-com:mac:vml" xmlns:p="http://schemas.openxmlformats.org/presentationml/2006/main" xmlns:c="http://schemas.openxmlformats.org/drawingml/2006/chart" xmlns:dgm="http://schemas.openxmlformats.org/drawingml/2006/diagram" xmlns:o="urn:schemas-microsoft-com:office:office" xmlns:v="urn:schemas-microsoft-com:vml" xmlns:pvml="urn:schemas-microsoft-com:office:powerpoint" xmlns:com="http://schemas.openxmlformats.org/drawingml/2006/compatibility" xmlns:p14="http://schemas.microsoft.com/office/powerpoint/2010/main" xmlns:p15="http://schemas.microsoft.com/office/powerpoint/2012/main" xmlns:ahyp="http://schemas.microsoft.com/office/drawing/2018/hyperlinkcolor">
+  <p:cSld>
+    <p:spTree>
+      <p:nvGrpSpPr>
+        <p:cNvPr id="65" name="Shape 65"/>
+        <p:cNvGrpSpPr/>
+        <p:nvPr/>
+      </p:nvGrpSpPr>
+      <p:grpSpPr>
+        <a:xfrm>
+          <a:off x="0" y="0"/>
+          <a:ext cx="0" cy="0"/>
+          <a:chOff x="0" y="0"/>
+          <a:chExt cx="0" cy="0"/>
+        </a:xfrm>
+      </p:grpSpPr>
+      <p:sp>
+        <p:nvSpPr>
+          <p:cNvPr id="66" name="Google Shape;66;p15"/>
+          <p:cNvSpPr txBox="1"/>
+          <p:nvPr>
+            <p:ph type="title"/>
+          </p:nvPr>
+        </p:nvSpPr>
+        <p:spPr>
+          <a:xfrm>
+            <a:off x="490250" y="450150"/>
+            <a:ext cx="8115000" cy="4090800"/>
+          </a:xfrm>
+          <a:prstGeom prst="rect">
+            <a:avLst/>
+          </a:prstGeom>
+        </p:spPr>
+        <p:txBody>
+          <a:bodyPr anchorCtr="0" anchor="ctr" bIns="91425" lIns="91425" spcFirstLastPara="1" rIns="91425" wrap="square" tIns="91425">
+            <a:noAutofit/>
+          </a:bodyPr>
+          <a:lstStyle/>
+          <a:p>
+            <a:pPr indent="0" lvl="0" marL="0" rtl="0" algn="l">
+              <a:spcBef>
+                <a:spcPts val="0"/>
+              </a:spcBef>
+              <a:spcAft>
+                <a:spcPts val="0"/>
+              </a:spcAft>
+              <a:buSzPts val="990"/>
+              <a:buNone/>
+            </a:pPr>
+            <a:r>
+              <a:rPr lang="en-GB" sz="2820">
+                <a:solidFill>
+                  <a:srgbClr val="B7B7B7"/>
+                </a:solidFill>
+              </a:rPr>
+              <a:t> “One of the real travesties,” he says, is that </a:t>
+            </a:r>
+            <a:r>
+              <a:rPr lang="en-GB" sz="2820"/>
+              <a:t>“there’s no way you could have reproduced [the Berkeley team’s] algorithm—the way they had implemented their code—from reading their paper.” </a:t>
+            </a:r>
+            <a:r>
+              <a:rPr lang="en-GB" sz="2820">
+                <a:solidFill>
+                  <a:srgbClr val="B7B7B7"/>
+                </a:solidFill>
+              </a:rPr>
+              <a:t>Presumably, he adds, “if this had been disclosed, this saga might not have gone on for seven years.”</a:t>
+            </a:r>
+            <a:endParaRPr sz="2820">
+              <a:solidFill>
+                <a:srgbClr val="B7B7B7"/>
+              </a:solidFill>
+            </a:endParaRPr>
+          </a:p>
+        </p:txBody>
+      </p:sp>
+    </p:spTree>
+  </p:cSld>
+  <p:clrMapOvr>
+    <a:masterClrMapping/>
+  </p:clrMapOvr>
+</p:sld>
+</file>
+
+<file path=ppt/slides/slide4.xml><?xml version="1.0" encoding="utf-8"?>
+<p:sld xmlns:a="http://schemas.openxmlformats.org/drawingml/2006/main" xmlns:r="http://schemas.openxmlformats.org/officeDocument/2006/relationships" xmlns:mc="http://schemas.openxmlformats.org/markup-compatibility/2006" xmlns:mv="urn:schemas-microsoft-com:mac:vml" xmlns:p="http://schemas.openxmlformats.org/presentationml/2006/main" xmlns:c="http://schemas.openxmlformats.org/drawingml/2006/chart" xmlns:dgm="http://schemas.openxmlformats.org/drawingml/2006/diagram" xmlns:o="urn:schemas-microsoft-com:office:office" xmlns:v="urn:schemas-microsoft-com:vml" xmlns:pvml="urn:schemas-microsoft-com:office:powerpoint" xmlns:com="http://schemas.openxmlformats.org/drawingml/2006/compatibility" xmlns:p14="http://schemas.microsoft.com/office/powerpoint/2010/main" xmlns:p15="http://schemas.microsoft.com/office/powerpoint/2012/main" xmlns:ahyp="http://schemas.microsoft.com/office/drawing/2018/hyperlinkcolor">
+  <p:cSld>
+    <p:spTree>
+      <p:nvGrpSpPr>
+        <p:cNvPr id="70" name="Shape 70"/>
+        <p:cNvGrpSpPr/>
+        <p:nvPr/>
+      </p:nvGrpSpPr>
+      <p:grpSpPr>
+        <a:xfrm>
+          <a:off x="0" y="0"/>
+          <a:ext cx="0" cy="0"/>
+          <a:chOff x="0" y="0"/>
+          <a:chExt cx="0" cy="0"/>
+        </a:xfrm>
+      </p:grpSpPr>
+      <p:sp>
+        <p:nvSpPr>
+          <p:cNvPr id="71" name="Google Shape;71;p16"/>
           <p:cNvSpPr txBox="1"/>
           <p:nvPr>
             <p:ph idx="1" type="body"/>
@@ -6284,7 +7790,7 @@
       </p:sp>
       <p:sp>
         <p:nvSpPr>
-          <p:cNvPr id="61" name="Google Shape;61;p14"/>
+          <p:cNvPr id="72" name="Google Shape;72;p16"/>
           <p:cNvSpPr txBox="1"/>
           <p:nvPr/>
         </p:nvSpPr>
@@ -6379,7 +7885,7 @@
                                           </p:stCondLst>
                                         </p:cTn>
                                         <p:tgtEl>
-                                          <p:spTgt spid="60">
+                                          <p:spTgt spid="71">
                                             <p:txEl>
                                               <p:pRg end="0" st="0"/>
                                             </p:txEl>
@@ -6428,7 +7934,7 @@
                                           </p:stCondLst>
                                         </p:cTn>
                                         <p:tgtEl>
-                                          <p:spTgt spid="60">
+                                          <p:spTgt spid="71">
                                             <p:txEl>
                                               <p:pRg end="1" st="1"/>
                                             </p:txEl>
@@ -6477,7 +7983,7 @@
                                           </p:stCondLst>
                                         </p:cTn>
                                         <p:tgtEl>
-                                          <p:spTgt spid="60">
+                                          <p:spTgt spid="71">
                                             <p:txEl>
                                               <p:pRg end="2" st="2"/>
                                             </p:txEl>
@@ -6526,7 +8032,7 @@
                                           </p:stCondLst>
                                         </p:cTn>
                                         <p:tgtEl>
-                                          <p:spTgt spid="60">
+                                          <p:spTgt spid="71">
                                             <p:txEl>
                                               <p:pRg end="3" st="3"/>
                                             </p:txEl>
@@ -6575,7 +8081,7 @@
                                           </p:stCondLst>
                                         </p:cTn>
                                         <p:tgtEl>
-                                          <p:spTgt spid="60">
+                                          <p:spTgt spid="71">
                                             <p:txEl>
                                               <p:pRg end="4" st="4"/>
                                             </p:txEl>
@@ -6624,7 +8130,7 @@
                                           </p:stCondLst>
                                         </p:cTn>
                                         <p:tgtEl>
-                                          <p:spTgt spid="60">
+                                          <p:spTgt spid="71">
                                             <p:txEl>
                                               <p:pRg end="5" st="5"/>
                                             </p:txEl>
@@ -6673,7 +8179,7 @@
                                           </p:stCondLst>
                                         </p:cTn>
                                         <p:tgtEl>
-                                          <p:spTgt spid="60">
+                                          <p:spTgt spid="71">
                                             <p:txEl>
                                               <p:pRg end="6" st="6"/>
                                             </p:txEl>
@@ -6721,12 +8227,12 @@
 </p:sld>
 </file>
 
-<file path=ppt/slides/slide3.xml><?xml version="1.0" encoding="utf-8"?>
+<file path=ppt/slides/slide5.xml><?xml version="1.0" encoding="utf-8"?>
 <p:sld xmlns:a="http://schemas.openxmlformats.org/drawingml/2006/main" xmlns:r="http://schemas.openxmlformats.org/officeDocument/2006/relationships" xmlns:mc="http://schemas.openxmlformats.org/markup-compatibility/2006" xmlns:mv="urn:schemas-microsoft-com:mac:vml" xmlns:p="http://schemas.openxmlformats.org/presentationml/2006/main" xmlns:c="http://schemas.openxmlformats.org/drawingml/2006/chart" xmlns:dgm="http://schemas.openxmlformats.org/drawingml/2006/diagram" xmlns:o="urn:schemas-microsoft-com:office:office" xmlns:v="urn:schemas-microsoft-com:vml" xmlns:pvml="urn:schemas-microsoft-com:office:powerpoint" xmlns:com="http://schemas.openxmlformats.org/drawingml/2006/compatibility" xmlns:p14="http://schemas.microsoft.com/office/powerpoint/2010/main" xmlns:p15="http://schemas.microsoft.com/office/powerpoint/2012/main" xmlns:ahyp="http://schemas.microsoft.com/office/drawing/2018/hyperlinkcolor">
   <p:cSld>
     <p:spTree>
       <p:nvGrpSpPr>
-        <p:cNvPr id="65" name="Shape 65"/>
+        <p:cNvPr id="76" name="Shape 76"/>
         <p:cNvGrpSpPr/>
         <p:nvPr/>
       </p:nvGrpSpPr>
@@ -6740,7 +8246,7 @@
       </p:grpSpPr>
       <p:sp>
         <p:nvSpPr>
-          <p:cNvPr id="66" name="Google Shape;66;p15"/>
+          <p:cNvPr id="77" name="Google Shape;77;p17"/>
           <p:cNvSpPr txBox="1"/>
           <p:nvPr>
             <p:ph type="title"/>
@@ -6772,7 +8278,7 @@
             </a:pPr>
             <a:r>
               <a:rPr lang="en-GB"/>
-              <a:t>Documentation</a:t>
+              <a:t>Options:</a:t>
             </a:r>
             <a:endParaRPr/>
           </a:p>
@@ -6780,7 +8286,175 @@
       </p:sp>
       <p:sp>
         <p:nvSpPr>
-          <p:cNvPr id="67" name="Google Shape;67;p15"/>
+          <p:cNvPr id="78" name="Google Shape;78;p17"/>
+          <p:cNvSpPr txBox="1"/>
+          <p:nvPr>
+            <p:ph idx="1" type="body"/>
+          </p:nvPr>
+        </p:nvSpPr>
+        <p:spPr>
+          <a:xfrm>
+            <a:off x="311700" y="1152475"/>
+            <a:ext cx="8520600" cy="3416400"/>
+          </a:xfrm>
+          <a:prstGeom prst="rect">
+            <a:avLst/>
+          </a:prstGeom>
+        </p:spPr>
+        <p:txBody>
+          <a:bodyPr anchorCtr="0" anchor="t" bIns="91425" lIns="91425" spcFirstLastPara="1" rIns="91425" wrap="square" tIns="91425">
+            <a:normAutofit/>
+          </a:bodyPr>
+          <a:lstStyle/>
+          <a:p>
+            <a:pPr indent="-342900" lvl="0" marL="457200" rtl="0" algn="l">
+              <a:spcBef>
+                <a:spcPts val="0"/>
+              </a:spcBef>
+              <a:spcAft>
+                <a:spcPts val="0"/>
+              </a:spcAft>
+              <a:buSzPts val="1800"/>
+              <a:buChar char="●"/>
+            </a:pPr>
+            <a:r>
+              <a:rPr lang="en-GB"/>
+              <a:t>Let them take a copy and run it themselves on their own machine</a:t>
+            </a:r>
+            <a:endParaRPr/>
+          </a:p>
+          <a:p>
+            <a:pPr indent="-342900" lvl="0" marL="457200" rtl="0" algn="l">
+              <a:spcBef>
+                <a:spcPts val="0"/>
+              </a:spcBef>
+              <a:spcAft>
+                <a:spcPts val="0"/>
+              </a:spcAft>
+              <a:buSzPts val="1800"/>
+              <a:buChar char="●"/>
+            </a:pPr>
+            <a:r>
+              <a:rPr lang="en-GB"/>
+              <a:t>Let them take an environment and a copy, then run it themselves on their own machine</a:t>
+            </a:r>
+            <a:endParaRPr/>
+          </a:p>
+          <a:p>
+            <a:pPr indent="-342900" lvl="0" marL="457200" rtl="0" algn="l">
+              <a:spcBef>
+                <a:spcPts val="0"/>
+              </a:spcBef>
+              <a:spcAft>
+                <a:spcPts val="0"/>
+              </a:spcAft>
+              <a:buSzPts val="1800"/>
+              <a:buChar char="●"/>
+            </a:pPr>
+            <a:r>
+              <a:rPr lang="en-GB"/>
+              <a:t>Let them run it on another machine</a:t>
+            </a:r>
+            <a:endParaRPr/>
+          </a:p>
+        </p:txBody>
+      </p:sp>
+    </p:spTree>
+  </p:cSld>
+  <p:clrMapOvr>
+    <a:masterClrMapping/>
+  </p:clrMapOvr>
+</p:sld>
+</file>
+
+<file path=ppt/slides/slide6.xml><?xml version="1.0" encoding="utf-8"?>
+<p:sld xmlns:a="http://schemas.openxmlformats.org/drawingml/2006/main" xmlns:r="http://schemas.openxmlformats.org/officeDocument/2006/relationships" xmlns:mc="http://schemas.openxmlformats.org/markup-compatibility/2006" xmlns:mv="urn:schemas-microsoft-com:mac:vml" xmlns:p="http://schemas.openxmlformats.org/presentationml/2006/main" xmlns:c="http://schemas.openxmlformats.org/drawingml/2006/chart" xmlns:dgm="http://schemas.openxmlformats.org/drawingml/2006/diagram" xmlns:o="urn:schemas-microsoft-com:office:office" xmlns:v="urn:schemas-microsoft-com:vml" xmlns:pvml="urn:schemas-microsoft-com:office:powerpoint" xmlns:com="http://schemas.openxmlformats.org/drawingml/2006/compatibility" xmlns:p14="http://schemas.microsoft.com/office/powerpoint/2010/main" xmlns:p15="http://schemas.microsoft.com/office/powerpoint/2012/main" xmlns:ahyp="http://schemas.microsoft.com/office/drawing/2018/hyperlinkcolor">
+  <p:cSld>
+    <p:spTree>
+      <p:nvGrpSpPr>
+        <p:cNvPr id="82" name="Shape 82"/>
+        <p:cNvGrpSpPr/>
+        <p:nvPr/>
+      </p:nvGrpSpPr>
+      <p:grpSpPr>
+        <a:xfrm>
+          <a:off x="0" y="0"/>
+          <a:ext cx="0" cy="0"/>
+          <a:chOff x="0" y="0"/>
+          <a:chExt cx="0" cy="0"/>
+        </a:xfrm>
+      </p:grpSpPr>
+      <p:sp>
+        <p:nvSpPr>
+          <p:cNvPr id="83" name="Google Shape;83;p18"/>
+          <p:cNvSpPr txBox="1"/>
+          <p:nvPr>
+            <p:ph type="title"/>
+          </p:nvPr>
+        </p:nvSpPr>
+        <p:spPr>
+          <a:xfrm>
+            <a:off x="311700" y="445025"/>
+            <a:ext cx="8520600" cy="572700"/>
+          </a:xfrm>
+          <a:prstGeom prst="rect">
+            <a:avLst/>
+          </a:prstGeom>
+        </p:spPr>
+        <p:txBody>
+          <a:bodyPr anchorCtr="0" anchor="t" bIns="91425" lIns="91425" spcFirstLastPara="1" rIns="91425" wrap="square" tIns="91425">
+            <a:noAutofit/>
+          </a:bodyPr>
+          <a:lstStyle/>
+          <a:p>
+            <a:pPr indent="0" lvl="0" marL="0" rtl="0" algn="l">
+              <a:lnSpc>
+                <a:spcPct val="115000"/>
+              </a:lnSpc>
+              <a:spcBef>
+                <a:spcPts val="0"/>
+              </a:spcBef>
+              <a:spcAft>
+                <a:spcPts val="0"/>
+              </a:spcAft>
+              <a:buSzPts val="990"/>
+              <a:buNone/>
+            </a:pPr>
+            <a:r>
+              <a:rPr b="1" lang="en-GB" sz="1920">
+                <a:solidFill>
+                  <a:schemeClr val="dk2"/>
+                </a:solidFill>
+              </a:rPr>
+              <a:t>Let them take a copy and run it themselves on their own machine</a:t>
+            </a:r>
+            <a:endParaRPr b="1" sz="1920">
+              <a:solidFill>
+                <a:schemeClr val="dk2"/>
+              </a:solidFill>
+            </a:endParaRPr>
+          </a:p>
+          <a:p>
+            <a:pPr indent="0" lvl="0" marL="0" rtl="0" algn="l">
+              <a:spcBef>
+                <a:spcPts val="1200"/>
+              </a:spcBef>
+              <a:spcAft>
+                <a:spcPts val="0"/>
+              </a:spcAft>
+              <a:buSzPts val="990"/>
+              <a:buNone/>
+            </a:pPr>
+            <a:r>
+              <a:t/>
+            </a:r>
+            <a:endParaRPr sz="2520"/>
+          </a:p>
+        </p:txBody>
+      </p:sp>
+      <p:sp>
+        <p:nvSpPr>
+          <p:cNvPr id="84" name="Google Shape;84;p18"/>
           <p:cNvSpPr txBox="1"/>
           <p:nvPr>
             <p:ph idx="1" type="body"/>
@@ -6811,6 +8485,196 @@
               <a:buNone/>
             </a:pPr>
             <a:r>
+              <a:rPr b="1" lang="en-GB"/>
+              <a:t>Benefits</a:t>
+            </a:r>
+            <a:endParaRPr b="1"/>
+          </a:p>
+          <a:p>
+            <a:pPr indent="-342900" lvl="0" marL="457200" rtl="0" algn="l">
+              <a:spcBef>
+                <a:spcPts val="1200"/>
+              </a:spcBef>
+              <a:spcAft>
+                <a:spcPts val="0"/>
+              </a:spcAft>
+              <a:buSzPts val="1800"/>
+              <a:buChar char="●"/>
+            </a:pPr>
+            <a:r>
+              <a:rPr lang="en-GB"/>
+              <a:t>Versioning</a:t>
+            </a:r>
+            <a:endParaRPr/>
+          </a:p>
+          <a:p>
+            <a:pPr indent="-342900" lvl="0" marL="457200" rtl="0" algn="l">
+              <a:spcBef>
+                <a:spcPts val="0"/>
+              </a:spcBef>
+              <a:spcAft>
+                <a:spcPts val="0"/>
+              </a:spcAft>
+              <a:buSzPts val="1800"/>
+              <a:buChar char="●"/>
+            </a:pPr>
+            <a:r>
+              <a:rPr lang="en-GB"/>
+              <a:t>Remotely hosted</a:t>
+            </a:r>
+            <a:endParaRPr/>
+          </a:p>
+          <a:p>
+            <a:pPr indent="-342900" lvl="0" marL="457200" rtl="0" algn="l">
+              <a:spcBef>
+                <a:spcPts val="0"/>
+              </a:spcBef>
+              <a:spcAft>
+                <a:spcPts val="0"/>
+              </a:spcAft>
+              <a:buSzPts val="1800"/>
+              <a:buChar char="●"/>
+            </a:pPr>
+            <a:r>
+              <a:rPr lang="en-GB"/>
+              <a:t>Can be on-prem or cloud</a:t>
+            </a:r>
+            <a:endParaRPr/>
+          </a:p>
+          <a:p>
+            <a:pPr indent="-342900" lvl="0" marL="457200" rtl="0" algn="l">
+              <a:spcBef>
+                <a:spcPts val="0"/>
+              </a:spcBef>
+              <a:spcAft>
+                <a:spcPts val="0"/>
+              </a:spcAft>
+              <a:buSzPts val="1800"/>
+              <a:buChar char="●"/>
+            </a:pPr>
+            <a:r>
+              <a:rPr lang="en-GB"/>
+              <a:t>Limit access or OS</a:t>
+            </a:r>
+            <a:endParaRPr/>
+          </a:p>
+          <a:p>
+            <a:pPr indent="-342900" lvl="0" marL="457200" rtl="0" algn="l">
+              <a:spcBef>
+                <a:spcPts val="0"/>
+              </a:spcBef>
+              <a:spcAft>
+                <a:spcPts val="0"/>
+              </a:spcAft>
+              <a:buSzPts val="1800"/>
+              <a:buChar char="●"/>
+            </a:pPr>
+            <a:r>
+              <a:rPr lang="en-GB"/>
+              <a:t>You need to make it reusable</a:t>
+            </a:r>
+            <a:endParaRPr/>
+          </a:p>
+        </p:txBody>
+      </p:sp>
+    </p:spTree>
+  </p:cSld>
+  <p:clrMapOvr>
+    <a:masterClrMapping/>
+  </p:clrMapOvr>
+</p:sld>
+</file>
+
+<file path=ppt/slides/slide7.xml><?xml version="1.0" encoding="utf-8"?>
+<p:sld xmlns:a="http://schemas.openxmlformats.org/drawingml/2006/main" xmlns:r="http://schemas.openxmlformats.org/officeDocument/2006/relationships" xmlns:mc="http://schemas.openxmlformats.org/markup-compatibility/2006" xmlns:mv="urn:schemas-microsoft-com:mac:vml" xmlns:p="http://schemas.openxmlformats.org/presentationml/2006/main" xmlns:c="http://schemas.openxmlformats.org/drawingml/2006/chart" xmlns:dgm="http://schemas.openxmlformats.org/drawingml/2006/diagram" xmlns:o="urn:schemas-microsoft-com:office:office" xmlns:v="urn:schemas-microsoft-com:vml" xmlns:pvml="urn:schemas-microsoft-com:office:powerpoint" xmlns:com="http://schemas.openxmlformats.org/drawingml/2006/compatibility" xmlns:p14="http://schemas.microsoft.com/office/powerpoint/2010/main" xmlns:p15="http://schemas.microsoft.com/office/powerpoint/2012/main" xmlns:ahyp="http://schemas.microsoft.com/office/drawing/2018/hyperlinkcolor">
+  <p:cSld>
+    <p:spTree>
+      <p:nvGrpSpPr>
+        <p:cNvPr id="88" name="Shape 88"/>
+        <p:cNvGrpSpPr/>
+        <p:nvPr/>
+      </p:nvGrpSpPr>
+      <p:grpSpPr>
+        <a:xfrm>
+          <a:off x="0" y="0"/>
+          <a:ext cx="0" cy="0"/>
+          <a:chOff x="0" y="0"/>
+          <a:chExt cx="0" cy="0"/>
+        </a:xfrm>
+      </p:grpSpPr>
+      <p:sp>
+        <p:nvSpPr>
+          <p:cNvPr id="89" name="Google Shape;89;p19"/>
+          <p:cNvSpPr txBox="1"/>
+          <p:nvPr>
+            <p:ph type="title"/>
+          </p:nvPr>
+        </p:nvSpPr>
+        <p:spPr>
+          <a:xfrm>
+            <a:off x="311700" y="445025"/>
+            <a:ext cx="8520600" cy="572700"/>
+          </a:xfrm>
+          <a:prstGeom prst="rect">
+            <a:avLst/>
+          </a:prstGeom>
+        </p:spPr>
+        <p:txBody>
+          <a:bodyPr anchorCtr="0" anchor="t" bIns="91425" lIns="91425" spcFirstLastPara="1" rIns="91425" wrap="square" tIns="91425">
+            <a:normAutofit fontScale="90000"/>
+          </a:bodyPr>
+          <a:lstStyle/>
+          <a:p>
+            <a:pPr indent="0" lvl="0" marL="0" rtl="0" algn="l">
+              <a:spcBef>
+                <a:spcPts val="0"/>
+              </a:spcBef>
+              <a:spcAft>
+                <a:spcPts val="0"/>
+              </a:spcAft>
+              <a:buNone/>
+            </a:pPr>
+            <a:r>
+              <a:rPr lang="en-GB"/>
+              <a:t>Documentation</a:t>
+            </a:r>
+            <a:endParaRPr/>
+          </a:p>
+        </p:txBody>
+      </p:sp>
+      <p:sp>
+        <p:nvSpPr>
+          <p:cNvPr id="90" name="Google Shape;90;p19"/>
+          <p:cNvSpPr txBox="1"/>
+          <p:nvPr>
+            <p:ph idx="1" type="body"/>
+          </p:nvPr>
+        </p:nvSpPr>
+        <p:spPr>
+          <a:xfrm>
+            <a:off x="311700" y="1152475"/>
+            <a:ext cx="8520600" cy="3416400"/>
+          </a:xfrm>
+          <a:prstGeom prst="rect">
+            <a:avLst/>
+          </a:prstGeom>
+        </p:spPr>
+        <p:txBody>
+          <a:bodyPr anchorCtr="0" anchor="t" bIns="91425" lIns="91425" spcFirstLastPara="1" rIns="91425" wrap="square" tIns="91425">
+            <a:normAutofit/>
+          </a:bodyPr>
+          <a:lstStyle/>
+          <a:p>
+            <a:pPr indent="0" lvl="0" marL="0" rtl="0" algn="l">
+              <a:spcBef>
+                <a:spcPts val="0"/>
+              </a:spcBef>
+              <a:spcAft>
+                <a:spcPts val="0"/>
+              </a:spcAft>
+              <a:buNone/>
+            </a:pPr>
+            <a:r>
               <a:rPr lang="en-GB"/>
               <a:t>README.md</a:t>
             </a:r>
@@ -7305,7 +9169,7 @@
       </p:sp>
       <p:sp>
         <p:nvSpPr>
-          <p:cNvPr id="68" name="Google Shape;68;p15"/>
+          <p:cNvPr id="91" name="Google Shape;91;p19"/>
           <p:cNvSpPr txBox="1"/>
           <p:nvPr/>
         </p:nvSpPr>
@@ -7361,7 +9225,774 @@
 </p:sld>
 </file>
 
+<file path=ppt/slides/slide8.xml><?xml version="1.0" encoding="utf-8"?>
+<p:sld xmlns:a="http://schemas.openxmlformats.org/drawingml/2006/main" xmlns:r="http://schemas.openxmlformats.org/officeDocument/2006/relationships" xmlns:mc="http://schemas.openxmlformats.org/markup-compatibility/2006" xmlns:mv="urn:schemas-microsoft-com:mac:vml" xmlns:p="http://schemas.openxmlformats.org/presentationml/2006/main" xmlns:c="http://schemas.openxmlformats.org/drawingml/2006/chart" xmlns:dgm="http://schemas.openxmlformats.org/drawingml/2006/diagram" xmlns:o="urn:schemas-microsoft-com:office:office" xmlns:v="urn:schemas-microsoft-com:vml" xmlns:pvml="urn:schemas-microsoft-com:office:powerpoint" xmlns:com="http://schemas.openxmlformats.org/drawingml/2006/compatibility" xmlns:p14="http://schemas.microsoft.com/office/powerpoint/2010/main" xmlns:p15="http://schemas.microsoft.com/office/powerpoint/2012/main" xmlns:ahyp="http://schemas.microsoft.com/office/drawing/2018/hyperlinkcolor">
+  <p:cSld>
+    <p:spTree>
+      <p:nvGrpSpPr>
+        <p:cNvPr id="95" name="Shape 95"/>
+        <p:cNvGrpSpPr/>
+        <p:nvPr/>
+      </p:nvGrpSpPr>
+      <p:grpSpPr>
+        <a:xfrm>
+          <a:off x="0" y="0"/>
+          <a:ext cx="0" cy="0"/>
+          <a:chOff x="0" y="0"/>
+          <a:chExt cx="0" cy="0"/>
+        </a:xfrm>
+      </p:grpSpPr>
+      <p:sp>
+        <p:nvSpPr>
+          <p:cNvPr id="96" name="Google Shape;96;p20"/>
+          <p:cNvSpPr txBox="1"/>
+          <p:nvPr>
+            <p:ph type="title"/>
+          </p:nvPr>
+        </p:nvSpPr>
+        <p:spPr>
+          <a:xfrm>
+            <a:off x="311700" y="445025"/>
+            <a:ext cx="8520600" cy="572700"/>
+          </a:xfrm>
+          <a:prstGeom prst="rect">
+            <a:avLst/>
+          </a:prstGeom>
+        </p:spPr>
+        <p:txBody>
+          <a:bodyPr anchorCtr="0" anchor="t" bIns="91425" lIns="91425" spcFirstLastPara="1" rIns="91425" wrap="square" tIns="91425">
+            <a:noAutofit/>
+          </a:bodyPr>
+          <a:lstStyle/>
+          <a:p>
+            <a:pPr indent="0" lvl="0" marL="0" rtl="0" algn="l">
+              <a:lnSpc>
+                <a:spcPct val="115000"/>
+              </a:lnSpc>
+              <a:spcBef>
+                <a:spcPts val="0"/>
+              </a:spcBef>
+              <a:spcAft>
+                <a:spcPts val="0"/>
+              </a:spcAft>
+              <a:buNone/>
+            </a:pPr>
+            <a:r>
+              <a:rPr b="1" lang="en-GB" sz="1900">
+                <a:solidFill>
+                  <a:schemeClr val="dk2"/>
+                </a:solidFill>
+              </a:rPr>
+              <a:t>Let them take an environment and a copy, then run it themselves on their own machine</a:t>
+            </a:r>
+            <a:endParaRPr b="1" sz="2000">
+              <a:solidFill>
+                <a:schemeClr val="dk2"/>
+              </a:solidFill>
+            </a:endParaRPr>
+          </a:p>
+          <a:p>
+            <a:pPr indent="0" lvl="0" marL="0" rtl="0" algn="l">
+              <a:spcBef>
+                <a:spcPts val="1200"/>
+              </a:spcBef>
+              <a:spcAft>
+                <a:spcPts val="0"/>
+              </a:spcAft>
+              <a:buSzPts val="990"/>
+              <a:buNone/>
+            </a:pPr>
+            <a:r>
+              <a:t/>
+            </a:r>
+            <a:endParaRPr sz="2520"/>
+          </a:p>
+        </p:txBody>
+      </p:sp>
+      <p:sp>
+        <p:nvSpPr>
+          <p:cNvPr id="97" name="Google Shape;97;p20"/>
+          <p:cNvSpPr txBox="1"/>
+          <p:nvPr>
+            <p:ph idx="1" type="body"/>
+          </p:nvPr>
+        </p:nvSpPr>
+        <p:spPr>
+          <a:xfrm>
+            <a:off x="311700" y="1152475"/>
+            <a:ext cx="3999900" cy="3416400"/>
+          </a:xfrm>
+          <a:prstGeom prst="rect">
+            <a:avLst/>
+          </a:prstGeom>
+        </p:spPr>
+        <p:txBody>
+          <a:bodyPr anchorCtr="0" anchor="t" bIns="91425" lIns="91425" spcFirstLastPara="1" rIns="91425" wrap="square" tIns="91425">
+            <a:normAutofit/>
+          </a:bodyPr>
+          <a:lstStyle/>
+          <a:p>
+            <a:pPr indent="0" lvl="0" marL="0" rtl="0" algn="l">
+              <a:spcBef>
+                <a:spcPts val="0"/>
+              </a:spcBef>
+              <a:spcAft>
+                <a:spcPts val="0"/>
+              </a:spcAft>
+              <a:buNone/>
+            </a:pPr>
+            <a:r>
+              <a:rPr b="1" lang="en-GB"/>
+              <a:t>Benefits</a:t>
+            </a:r>
+            <a:endParaRPr b="1"/>
+          </a:p>
+          <a:p>
+            <a:pPr indent="-317500" lvl="0" marL="457200" rtl="0" algn="l">
+              <a:spcBef>
+                <a:spcPts val="1200"/>
+              </a:spcBef>
+              <a:spcAft>
+                <a:spcPts val="0"/>
+              </a:spcAft>
+              <a:buSzPts val="1400"/>
+              <a:buChar char="●"/>
+            </a:pPr>
+            <a:r>
+              <a:rPr lang="en-GB"/>
+              <a:t>Versioning</a:t>
+            </a:r>
+            <a:endParaRPr/>
+          </a:p>
+          <a:p>
+            <a:pPr indent="-317500" lvl="0" marL="457200" rtl="0" algn="l">
+              <a:spcBef>
+                <a:spcPts val="0"/>
+              </a:spcBef>
+              <a:spcAft>
+                <a:spcPts val="0"/>
+              </a:spcAft>
+              <a:buSzPts val="1400"/>
+              <a:buChar char="●"/>
+            </a:pPr>
+            <a:r>
+              <a:rPr lang="en-GB"/>
+              <a:t>Remotely hosted</a:t>
+            </a:r>
+            <a:endParaRPr/>
+          </a:p>
+          <a:p>
+            <a:pPr indent="-317500" lvl="0" marL="457200" rtl="0" algn="l">
+              <a:spcBef>
+                <a:spcPts val="0"/>
+              </a:spcBef>
+              <a:spcAft>
+                <a:spcPts val="0"/>
+              </a:spcAft>
+              <a:buSzPts val="1400"/>
+              <a:buChar char="●"/>
+            </a:pPr>
+            <a:r>
+              <a:rPr lang="en-GB"/>
+              <a:t>Can be on-prem or cloud</a:t>
+            </a:r>
+            <a:endParaRPr/>
+          </a:p>
+          <a:p>
+            <a:pPr indent="-317500" lvl="0" marL="457200" rtl="0" algn="l">
+              <a:spcBef>
+                <a:spcPts val="0"/>
+              </a:spcBef>
+              <a:spcAft>
+                <a:spcPts val="0"/>
+              </a:spcAft>
+              <a:buSzPts val="1400"/>
+              <a:buChar char="●"/>
+            </a:pPr>
+            <a:r>
+              <a:rPr lang="en-GB"/>
+              <a:t>Limit access or OS</a:t>
+            </a:r>
+            <a:endParaRPr/>
+          </a:p>
+          <a:p>
+            <a:pPr indent="-317500" lvl="0" marL="457200" rtl="0" algn="l">
+              <a:spcBef>
+                <a:spcPts val="0"/>
+              </a:spcBef>
+              <a:spcAft>
+                <a:spcPts val="0"/>
+              </a:spcAft>
+              <a:buSzPts val="1400"/>
+              <a:buChar char="●"/>
+            </a:pPr>
+            <a:r>
+              <a:rPr lang="en-GB"/>
+              <a:t>You need to make it reusable</a:t>
+            </a:r>
+            <a:endParaRPr/>
+          </a:p>
+        </p:txBody>
+      </p:sp>
+      <p:sp>
+        <p:nvSpPr>
+          <p:cNvPr id="98" name="Google Shape;98;p20"/>
+          <p:cNvSpPr txBox="1"/>
+          <p:nvPr>
+            <p:ph idx="2" type="body"/>
+          </p:nvPr>
+        </p:nvSpPr>
+        <p:spPr>
+          <a:xfrm>
+            <a:off x="4832400" y="1152475"/>
+            <a:ext cx="3999900" cy="3416400"/>
+          </a:xfrm>
+          <a:prstGeom prst="rect">
+            <a:avLst/>
+          </a:prstGeom>
+        </p:spPr>
+        <p:txBody>
+          <a:bodyPr anchorCtr="0" anchor="t" bIns="91425" lIns="91425" spcFirstLastPara="1" rIns="91425" wrap="square" tIns="91425">
+            <a:normAutofit/>
+          </a:bodyPr>
+          <a:lstStyle/>
+          <a:p>
+            <a:pPr indent="0" lvl="0" marL="0" rtl="0" algn="l">
+              <a:spcBef>
+                <a:spcPts val="0"/>
+              </a:spcBef>
+              <a:spcAft>
+                <a:spcPts val="0"/>
+              </a:spcAft>
+              <a:buNone/>
+            </a:pPr>
+            <a:r>
+              <a:rPr b="1" lang="en-GB"/>
+              <a:t>Benefits</a:t>
+            </a:r>
+            <a:endParaRPr/>
+          </a:p>
+          <a:p>
+            <a:pPr indent="-317500" lvl="0" marL="457200" rtl="0" algn="l">
+              <a:spcBef>
+                <a:spcPts val="1200"/>
+              </a:spcBef>
+              <a:spcAft>
+                <a:spcPts val="0"/>
+              </a:spcAft>
+              <a:buSzPts val="1400"/>
+              <a:buChar char="●"/>
+            </a:pPr>
+            <a:r>
+              <a:rPr lang="en-GB"/>
+              <a:t>Repeatable and specified environment</a:t>
+            </a:r>
+            <a:endParaRPr/>
+          </a:p>
+          <a:p>
+            <a:pPr indent="-317500" lvl="0" marL="457200" rtl="0" algn="l">
+              <a:spcBef>
+                <a:spcPts val="0"/>
+              </a:spcBef>
+              <a:spcAft>
+                <a:spcPts val="0"/>
+              </a:spcAft>
+              <a:buSzPts val="1400"/>
+              <a:buChar char="●"/>
+            </a:pPr>
+            <a:r>
+              <a:rPr lang="en-GB"/>
+              <a:t>No dependency hell</a:t>
+            </a:r>
+            <a:endParaRPr/>
+          </a:p>
+          <a:p>
+            <a:pPr indent="-317500" lvl="0" marL="457200" rtl="0" algn="l">
+              <a:spcBef>
+                <a:spcPts val="0"/>
+              </a:spcBef>
+              <a:spcAft>
+                <a:spcPts val="0"/>
+              </a:spcAft>
+              <a:buSzPts val="1400"/>
+              <a:buChar char="●"/>
+            </a:pPr>
+            <a:r>
+              <a:rPr lang="en-GB"/>
+              <a:t>Isolation</a:t>
+            </a:r>
+            <a:endParaRPr/>
+          </a:p>
+          <a:p>
+            <a:pPr indent="-317500" lvl="0" marL="457200" rtl="0" algn="l">
+              <a:spcBef>
+                <a:spcPts val="0"/>
+              </a:spcBef>
+              <a:spcAft>
+                <a:spcPts val="0"/>
+              </a:spcAft>
+              <a:buSzPts val="1400"/>
+              <a:buChar char="●"/>
+            </a:pPr>
+            <a:r>
+              <a:rPr lang="en-GB"/>
+              <a:t>Speed</a:t>
+            </a:r>
+            <a:endParaRPr/>
+          </a:p>
+        </p:txBody>
+      </p:sp>
+    </p:spTree>
+  </p:cSld>
+  <p:clrMapOvr>
+    <a:masterClrMapping/>
+  </p:clrMapOvr>
+</p:sld>
+</file>
+
+<file path=ppt/slides/slide9.xml><?xml version="1.0" encoding="utf-8"?>
+<p:sld xmlns:a="http://schemas.openxmlformats.org/drawingml/2006/main" xmlns:r="http://schemas.openxmlformats.org/officeDocument/2006/relationships" xmlns:mc="http://schemas.openxmlformats.org/markup-compatibility/2006" xmlns:mv="urn:schemas-microsoft-com:mac:vml" xmlns:p="http://schemas.openxmlformats.org/presentationml/2006/main" xmlns:c="http://schemas.openxmlformats.org/drawingml/2006/chart" xmlns:dgm="http://schemas.openxmlformats.org/drawingml/2006/diagram" xmlns:o="urn:schemas-microsoft-com:office:office" xmlns:v="urn:schemas-microsoft-com:vml" xmlns:pvml="urn:schemas-microsoft-com:office:powerpoint" xmlns:com="http://schemas.openxmlformats.org/drawingml/2006/compatibility" xmlns:p14="http://schemas.microsoft.com/office/powerpoint/2010/main" xmlns:p15="http://schemas.microsoft.com/office/powerpoint/2012/main" xmlns:ahyp="http://schemas.microsoft.com/office/drawing/2018/hyperlinkcolor">
+  <p:cSld>
+    <p:spTree>
+      <p:nvGrpSpPr>
+        <p:cNvPr id="102" name="Shape 102"/>
+        <p:cNvGrpSpPr/>
+        <p:nvPr/>
+      </p:nvGrpSpPr>
+      <p:grpSpPr>
+        <a:xfrm>
+          <a:off x="0" y="0"/>
+          <a:ext cx="0" cy="0"/>
+          <a:chOff x="0" y="0"/>
+          <a:chExt cx="0" cy="0"/>
+        </a:xfrm>
+      </p:grpSpPr>
+      <p:pic>
+        <p:nvPicPr>
+          <p:cNvPr id="103" name="Google Shape;103;p21"/>
+          <p:cNvPicPr preferRelativeResize="0"/>
+          <p:nvPr/>
+        </p:nvPicPr>
+        <p:blipFill rotWithShape="1">
+          <a:blip r:embed="rId3">
+            <a:alphaModFix/>
+          </a:blip>
+          <a:srcRect b="13614" l="0" r="0" t="0"/>
+          <a:stretch/>
+        </p:blipFill>
+        <p:spPr>
+          <a:xfrm>
+            <a:off x="183650" y="481700"/>
+            <a:ext cx="2979500" cy="4180101"/>
+          </a:xfrm>
+          <a:prstGeom prst="rect">
+            <a:avLst/>
+          </a:prstGeom>
+          <a:noFill/>
+          <a:ln>
+            <a:noFill/>
+          </a:ln>
+        </p:spPr>
+      </p:pic>
+      <p:pic>
+        <p:nvPicPr>
+          <p:cNvPr id="104" name="Google Shape;104;p21"/>
+          <p:cNvPicPr preferRelativeResize="0"/>
+          <p:nvPr/>
+        </p:nvPicPr>
+        <p:blipFill>
+          <a:blip r:embed="rId4">
+            <a:alphaModFix/>
+          </a:blip>
+          <a:stretch>
+            <a:fillRect/>
+          </a:stretch>
+        </p:blipFill>
+        <p:spPr>
+          <a:xfrm>
+            <a:off x="4026875" y="481699"/>
+            <a:ext cx="4722817" cy="1631525"/>
+          </a:xfrm>
+          <a:prstGeom prst="rect">
+            <a:avLst/>
+          </a:prstGeom>
+          <a:noFill/>
+          <a:ln>
+            <a:noFill/>
+          </a:ln>
+        </p:spPr>
+      </p:pic>
+    </p:spTree>
+  </p:cSld>
+  <p:clrMapOvr>
+    <a:masterClrMapping/>
+  </p:clrMapOvr>
+  <p:timing>
+    <p:tnLst>
+      <p:par>
+        <p:cTn dur="indefinite" nodeType="tmRoot" restart="never">
+          <p:childTnLst>
+            <p:seq concurrent="1" nextAc="seek">
+              <p:cTn dur="indefinite" id="2" nodeType="mainSeq">
+                <p:childTnLst>
+                  <p:par>
+                    <p:cTn fill="hold">
+                      <p:stCondLst>
+                        <p:cond delay="indefinite"/>
+                      </p:stCondLst>
+                      <p:childTnLst>
+                        <p:par>
+                          <p:cTn fill="hold">
+                            <p:stCondLst>
+                              <p:cond delay="0"/>
+                            </p:stCondLst>
+                            <p:childTnLst>
+                              <p:par>
+                                <p:cTn fill="hold" nodeType="clickEffect" presetClass="entr" presetID="10" presetSubtype="0">
+                                  <p:stCondLst>
+                                    <p:cond delay="0"/>
+                                  </p:stCondLst>
+                                  <p:childTnLst>
+                                    <p:set>
+                                      <p:cBhvr>
+                                        <p:cTn dur="1" fill="hold">
+                                          <p:stCondLst>
+                                            <p:cond delay="0"/>
+                                          </p:stCondLst>
+                                        </p:cTn>
+                                        <p:tgtEl>
+                                          <p:spTgt spid="104"/>
+                                        </p:tgtEl>
+                                        <p:attrNameLst>
+                                          <p:attrName>style.visibility</p:attrName>
+                                        </p:attrNameLst>
+                                      </p:cBhvr>
+                                      <p:to>
+                                        <p:strVal val="visible"/>
+                                      </p:to>
+                                    </p:set>
+                                    <p:animEffect filter="fade" transition="in">
+                                      <p:cBhvr>
+                                        <p:cTn dur="1000"/>
+                                        <p:tgtEl>
+                                          <p:spTgt spid="104"/>
+                                        </p:tgtEl>
+                                      </p:cBhvr>
+                                    </p:animEffect>
+                                  </p:childTnLst>
+                                </p:cTn>
+                              </p:par>
+                            </p:childTnLst>
+                          </p:cTn>
+                        </p:par>
+                      </p:childTnLst>
+                    </p:cTn>
+                  </p:par>
+                </p:childTnLst>
+              </p:cTn>
+              <p:prevCondLst>
+                <p:cond evt="onPrev">
+                  <p:tgtEl>
+                    <p:sldTgt/>
+                  </p:tgtEl>
+                </p:cond>
+              </p:prevCondLst>
+              <p:nextCondLst>
+                <p:cond evt="onNext">
+                  <p:tgtEl>
+                    <p:sldTgt/>
+                  </p:tgtEl>
+                </p:cond>
+              </p:nextCondLst>
+            </p:seq>
+          </p:childTnLst>
+        </p:cTn>
+      </p:par>
+    </p:tnLst>
+  </p:timing>
+</p:sld>
+</file>
+
 <file path=ppt/theme/theme1.xml><?xml version="1.0" encoding="utf-8"?>
+<a:theme xmlns:a="http://schemas.openxmlformats.org/drawingml/2006/main" xmlns:r="http://schemas.openxmlformats.org/officeDocument/2006/relationships" name="Simple Light">
+  <a:themeElements>
+    <a:clrScheme name="Simple Light">
+      <a:dk1>
+        <a:srgbClr val="000000"/>
+      </a:dk1>
+      <a:lt1>
+        <a:srgbClr val="FFFFFF"/>
+      </a:lt1>
+      <a:dk2>
+        <a:srgbClr val="595959"/>
+      </a:dk2>
+      <a:lt2>
+        <a:srgbClr val="EEEEEE"/>
+      </a:lt2>
+      <a:accent1>
+        <a:srgbClr val="4285F4"/>
+      </a:accent1>
+      <a:accent2>
+        <a:srgbClr val="212121"/>
+      </a:accent2>
+      <a:accent3>
+        <a:srgbClr val="78909C"/>
+      </a:accent3>
+      <a:accent4>
+        <a:srgbClr val="FFAB40"/>
+      </a:accent4>
+      <a:accent5>
+        <a:srgbClr val="0097A7"/>
+      </a:accent5>
+      <a:accent6>
+        <a:srgbClr val="EEFF41"/>
+      </a:accent6>
+      <a:hlink>
+        <a:srgbClr val="0097A7"/>
+      </a:hlink>
+      <a:folHlink>
+        <a:srgbClr val="0097A7"/>
+      </a:folHlink>
+    </a:clrScheme>
+    <a:fontScheme name="Office">
+      <a:majorFont>
+        <a:latin typeface="Arial"/>
+        <a:ea typeface=""/>
+        <a:cs typeface=""/>
+        <a:font script="Jpan" typeface="ＭＳ Ｐゴシック"/>
+        <a:font script="Hang" typeface="맑은 고딕"/>
+        <a:font script="Hans" typeface="宋体"/>
+        <a:font script="Hant" typeface="新細明體"/>
+        <a:font script="Arab" typeface="Times New Roman"/>
+        <a:font script="Hebr" typeface="Times New Roman"/>
+        <a:font script="Thai" typeface="Angsana New"/>
+        <a:font script="Ethi" typeface="Nyala"/>
+        <a:font script="Beng" typeface="Vrinda"/>
+        <a:font script="Gujr" typeface="Shruti"/>
+        <a:font script="Khmr" typeface="MoolBoran"/>
+        <a:font script="Knda" typeface="Tunga"/>
+        <a:font script="Guru" typeface="Raavi"/>
+        <a:font script="Cans" typeface="Euphemia"/>
+        <a:font script="Cher" typeface="Plantagenet Cherokee"/>
+        <a:font script="Yiii" typeface="Microsoft Yi Baiti"/>
+        <a:font script="Tibt" typeface="Microsoft Himalaya"/>
+        <a:font script="Thaa" typeface="MV Boli"/>
+        <a:font script="Deva" typeface="Mangal"/>
+        <a:font script="Telu" typeface="Gautami"/>
+        <a:font script="Taml" typeface="Latha"/>
+        <a:font script="Syrc" typeface="Estrangelo Edessa"/>
+        <a:font script="Orya" typeface="Kalinga"/>
+        <a:font script="Mlym" typeface="Kartika"/>
+        <a:font script="Laoo" typeface="DokChampa"/>
+        <a:font script="Sinh" typeface="Iskoola Pota"/>
+        <a:font script="Mong" typeface="Mongolian Baiti"/>
+        <a:font script="Viet" typeface="Times New Roman"/>
+        <a:font script="Uigh" typeface="Microsoft Uighur"/>
+        <a:font script="Geor" typeface="Sylfaen"/>
+      </a:majorFont>
+      <a:minorFont>
+        <a:latin typeface="Arial"/>
+        <a:ea typeface=""/>
+        <a:cs typeface=""/>
+        <a:font script="Jpan" typeface="ＭＳ Ｐゴシック"/>
+        <a:font script="Hang" typeface="맑은 고딕"/>
+        <a:font script="Hans" typeface="宋体"/>
+        <a:font script="Hant" typeface="新細明體"/>
+        <a:font script="Arab" typeface="Arial"/>
+        <a:font script="Hebr" typeface="Arial"/>
+        <a:font script="Thai" typeface="Cordia New"/>
+        <a:font script="Ethi" typeface="Nyala"/>
+        <a:font script="Beng" typeface="Vrinda"/>
+        <a:font script="Gujr" typeface="Shruti"/>
+        <a:font script="Khmr" typeface="DaunPenh"/>
+        <a:font script="Knda" typeface="Tunga"/>
+        <a:font script="Guru" typeface="Raavi"/>
+        <a:font script="Cans" typeface="Euphemia"/>
+        <a:font script="Cher" typeface="Plantagenet Cherokee"/>
+        <a:font script="Yiii" typeface="Microsoft Yi Baiti"/>
+        <a:font script="Tibt" typeface="Microsoft Himalaya"/>
+        <a:font script="Thaa" typeface="MV Boli"/>
+        <a:font script="Deva" typeface="Mangal"/>
+        <a:font script="Telu" typeface="Gautami"/>
+        <a:font script="Taml" typeface="Latha"/>
+        <a:font script="Syrc" typeface="Estrangelo Edessa"/>
+        <a:font script="Orya" typeface="Kalinga"/>
+        <a:font script="Mlym" typeface="Kartika"/>
+        <a:font script="Laoo" typeface="DokChampa"/>
+        <a:font script="Sinh" typeface="Iskoola Pota"/>
+        <a:font script="Mong" typeface="Mongolian Baiti"/>
+        <a:font script="Viet" typeface="Arial"/>
+        <a:font script="Uigh" typeface="Microsoft Uighur"/>
+        <a:font script="Geor" typeface="Sylfaen"/>
+      </a:minorFont>
+    </a:fontScheme>
+    <a:fmtScheme name="Office">
+      <a:fillStyleLst>
+        <a:solidFill>
+          <a:schemeClr val="phClr"/>
+        </a:solidFill>
+        <a:gradFill rotWithShape="1">
+          <a:gsLst>
+            <a:gs pos="0">
+              <a:schemeClr val="phClr">
+                <a:tint val="50000"/>
+                <a:satMod val="300000"/>
+              </a:schemeClr>
+            </a:gs>
+            <a:gs pos="35000">
+              <a:schemeClr val="phClr">
+                <a:tint val="37000"/>
+                <a:satMod val="300000"/>
+              </a:schemeClr>
+            </a:gs>
+            <a:gs pos="100000">
+              <a:schemeClr val="phClr">
+                <a:tint val="15000"/>
+                <a:satMod val="350000"/>
+              </a:schemeClr>
+            </a:gs>
+          </a:gsLst>
+          <a:lin ang="16200000" scaled="1"/>
+        </a:gradFill>
+        <a:gradFill rotWithShape="1">
+          <a:gsLst>
+            <a:gs pos="0">
+              <a:schemeClr val="phClr">
+                <a:tint val="100000"/>
+                <a:shade val="100000"/>
+                <a:satMod val="130000"/>
+              </a:schemeClr>
+            </a:gs>
+            <a:gs pos="100000">
+              <a:schemeClr val="phClr">
+                <a:tint val="50000"/>
+                <a:shade val="100000"/>
+                <a:satMod val="350000"/>
+              </a:schemeClr>
+            </a:gs>
+          </a:gsLst>
+          <a:lin ang="16200000" scaled="0"/>
+        </a:gradFill>
+      </a:fillStyleLst>
+      <a:lnStyleLst>
+        <a:ln w="9525" cap="flat" cmpd="sng" algn="ctr">
+          <a:solidFill>
+            <a:schemeClr val="phClr">
+              <a:shade val="95000"/>
+              <a:satMod val="105000"/>
+            </a:schemeClr>
+          </a:solidFill>
+          <a:prstDash val="solid"/>
+        </a:ln>
+        <a:ln w="25400" cap="flat" cmpd="sng" algn="ctr">
+          <a:solidFill>
+            <a:schemeClr val="phClr"/>
+          </a:solidFill>
+          <a:prstDash val="solid"/>
+        </a:ln>
+        <a:ln w="38100" cap="flat" cmpd="sng" algn="ctr">
+          <a:solidFill>
+            <a:schemeClr val="phClr"/>
+          </a:solidFill>
+          <a:prstDash val="solid"/>
+        </a:ln>
+      </a:lnStyleLst>
+      <a:effectStyleLst>
+        <a:effectStyle>
+          <a:effectLst>
+            <a:outerShdw blurRad="40000" dist="20000" dir="5400000" rotWithShape="0">
+              <a:srgbClr val="000000">
+                <a:alpha val="38000"/>
+              </a:srgbClr>
+            </a:outerShdw>
+          </a:effectLst>
+        </a:effectStyle>
+        <a:effectStyle>
+          <a:effectLst>
+            <a:outerShdw blurRad="40000" dist="23000" dir="5400000" rotWithShape="0">
+              <a:srgbClr val="000000">
+                <a:alpha val="35000"/>
+              </a:srgbClr>
+            </a:outerShdw>
+          </a:effectLst>
+        </a:effectStyle>
+        <a:effectStyle>
+          <a:effectLst>
+            <a:outerShdw blurRad="40000" dist="23000" dir="5400000" rotWithShape="0">
+              <a:srgbClr val="000000">
+                <a:alpha val="35000"/>
+              </a:srgbClr>
+            </a:outerShdw>
+          </a:effectLst>
+          <a:scene3d>
+            <a:camera prst="orthographicFront">
+              <a:rot lat="0" lon="0" rev="0"/>
+            </a:camera>
+            <a:lightRig rig="threePt" dir="t">
+              <a:rot lat="0" lon="0" rev="1200000"/>
+            </a:lightRig>
+          </a:scene3d>
+          <a:sp3d>
+            <a:bevelT w="63500" h="25400"/>
+          </a:sp3d>
+        </a:effectStyle>
+      </a:effectStyleLst>
+      <a:bgFillStyleLst>
+        <a:solidFill>
+          <a:schemeClr val="phClr"/>
+        </a:solidFill>
+        <a:gradFill rotWithShape="1">
+          <a:gsLst>
+            <a:gs pos="0">
+              <a:schemeClr val="phClr">
+                <a:tint val="40000"/>
+                <a:satMod val="350000"/>
+              </a:schemeClr>
+            </a:gs>
+            <a:gs pos="40000">
+              <a:schemeClr val="phClr">
+                <a:tint val="45000"/>
+                <a:shade val="99000"/>
+                <a:satMod val="350000"/>
+              </a:schemeClr>
+            </a:gs>
+            <a:gs pos="100000">
+              <a:schemeClr val="phClr">
+                <a:shade val="20000"/>
+                <a:satMod val="255000"/>
+              </a:schemeClr>
+            </a:gs>
+          </a:gsLst>
+          <a:path path="circle">
+            <a:fillToRect l="50000" t="-80000" r="50000" b="180000"/>
+          </a:path>
+        </a:gradFill>
+        <a:gradFill rotWithShape="1">
+          <a:gsLst>
+            <a:gs pos="0">
+              <a:schemeClr val="phClr">
+                <a:tint val="80000"/>
+                <a:satMod val="300000"/>
+              </a:schemeClr>
+            </a:gs>
+            <a:gs pos="100000">
+              <a:schemeClr val="phClr">
+                <a:shade val="30000"/>
+                <a:satMod val="200000"/>
+              </a:schemeClr>
+            </a:gs>
+          </a:gsLst>
+          <a:path path="circle">
+            <a:fillToRect l="50000" t="50000" r="50000" b="50000"/>
+          </a:path>
+        </a:gradFill>
+      </a:bgFillStyleLst>
+    </a:fmtScheme>
+  </a:themeElements>
+</a:theme>
+</file>
+
+<file path=ppt/theme/theme2.xml><?xml version="1.0" encoding="utf-8"?>
 <a:theme xmlns:a="http://schemas.openxmlformats.org/drawingml/2006/main" xmlns:r="http://schemas.openxmlformats.org/officeDocument/2006/relationships">
   <a:themeElements>
     <a:clrScheme name="Default">
@@ -7638,283 +10269,4 @@
     </a:fmtScheme>
   </a:themeElements>
 </a:theme>
-</file>
-
-<file path=ppt/theme/theme2.xml><?xml version="1.0" encoding="utf-8"?>
-<a:theme xmlns:a="http://schemas.openxmlformats.org/drawingml/2006/main" xmlns:r="http://schemas.openxmlformats.org/officeDocument/2006/relationships" name="Simple Light">
-  <a:themeElements>
-    <a:clrScheme name="Simple Light">
-      <a:dk1>
-        <a:srgbClr val="000000"/>
-      </a:dk1>
-      <a:lt1>
-        <a:srgbClr val="FFFFFF"/>
-      </a:lt1>
-      <a:dk2>
-        <a:srgbClr val="595959"/>
-      </a:dk2>
-      <a:lt2>
-        <a:srgbClr val="EEEEEE"/>
-      </a:lt2>
-      <a:accent1>
-        <a:srgbClr val="4285F4"/>
-      </a:accent1>
-      <a:accent2>
-        <a:srgbClr val="212121"/>
-      </a:accent2>
-      <a:accent3>
-        <a:srgbClr val="78909C"/>
-      </a:accent3>
-      <a:accent4>
-        <a:srgbClr val="FFAB40"/>
-      </a:accent4>
-      <a:accent5>
-        <a:srgbClr val="0097A7"/>
-      </a:accent5>
-      <a:accent6>
-        <a:srgbClr val="EEFF41"/>
-      </a:accent6>
-      <a:hlink>
-        <a:srgbClr val="0097A7"/>
-      </a:hlink>
-      <a:folHlink>
-        <a:srgbClr val="0097A7"/>
-      </a:folHlink>
-    </a:clrScheme>
-    <a:fontScheme name="Office">
-      <a:majorFont>
-        <a:latin typeface="Arial"/>
-        <a:ea typeface=""/>
-        <a:cs typeface=""/>
-        <a:font script="Jpan" typeface="ＭＳ Ｐゴシック"/>
-        <a:font script="Hang" typeface="맑은 고딕"/>
-        <a:font script="Hans" typeface="宋体"/>
-        <a:font script="Hant" typeface="新細明體"/>
-        <a:font script="Arab" typeface="Times New Roman"/>
-        <a:font script="Hebr" typeface="Times New Roman"/>
-        <a:font script="Thai" typeface="Angsana New"/>
-        <a:font script="Ethi" typeface="Nyala"/>
-        <a:font script="Beng" typeface="Vrinda"/>
-        <a:font script="Gujr" typeface="Shruti"/>
-        <a:font script="Khmr" typeface="MoolBoran"/>
-        <a:font script="Knda" typeface="Tunga"/>
-        <a:font script="Guru" typeface="Raavi"/>
-        <a:font script="Cans" typeface="Euphemia"/>
-        <a:font script="Cher" typeface="Plantagenet Cherokee"/>
-        <a:font script="Yiii" typeface="Microsoft Yi Baiti"/>
-        <a:font script="Tibt" typeface="Microsoft Himalaya"/>
-        <a:font script="Thaa" typeface="MV Boli"/>
-        <a:font script="Deva" typeface="Mangal"/>
-        <a:font script="Telu" typeface="Gautami"/>
-        <a:font script="Taml" typeface="Latha"/>
-        <a:font script="Syrc" typeface="Estrangelo Edessa"/>
-        <a:font script="Orya" typeface="Kalinga"/>
-        <a:font script="Mlym" typeface="Kartika"/>
-        <a:font script="Laoo" typeface="DokChampa"/>
-        <a:font script="Sinh" typeface="Iskoola Pota"/>
-        <a:font script="Mong" typeface="Mongolian Baiti"/>
-        <a:font script="Viet" typeface="Times New Roman"/>
-        <a:font script="Uigh" typeface="Microsoft Uighur"/>
-        <a:font script="Geor" typeface="Sylfaen"/>
-      </a:majorFont>
-      <a:minorFont>
-        <a:latin typeface="Arial"/>
-        <a:ea typeface=""/>
-        <a:cs typeface=""/>
-        <a:font script="Jpan" typeface="ＭＳ Ｐゴシック"/>
-        <a:font script="Hang" typeface="맑은 고딕"/>
-        <a:font script="Hans" typeface="宋体"/>
-        <a:font script="Hant" typeface="新細明體"/>
-        <a:font script="Arab" typeface="Arial"/>
-        <a:font script="Hebr" typeface="Arial"/>
-        <a:font script="Thai" typeface="Cordia New"/>
-        <a:font script="Ethi" typeface="Nyala"/>
-        <a:font script="Beng" typeface="Vrinda"/>
-        <a:font script="Gujr" typeface="Shruti"/>
-        <a:font script="Khmr" typeface="DaunPenh"/>
-        <a:font script="Knda" typeface="Tunga"/>
-        <a:font script="Guru" typeface="Raavi"/>
-        <a:font script="Cans" typeface="Euphemia"/>
-        <a:font script="Cher" typeface="Plantagenet Cherokee"/>
-        <a:font script="Yiii" typeface="Microsoft Yi Baiti"/>
-        <a:font script="Tibt" typeface="Microsoft Himalaya"/>
-        <a:font script="Thaa" typeface="MV Boli"/>
-        <a:font script="Deva" typeface="Mangal"/>
-        <a:font script="Telu" typeface="Gautami"/>
-        <a:font script="Taml" typeface="Latha"/>
-        <a:font script="Syrc" typeface="Estrangelo Edessa"/>
-        <a:font script="Orya" typeface="Kalinga"/>
-        <a:font script="Mlym" typeface="Kartika"/>
-        <a:font script="Laoo" typeface="DokChampa"/>
-        <a:font script="Sinh" typeface="Iskoola Pota"/>
-        <a:font script="Mong" typeface="Mongolian Baiti"/>
-        <a:font script="Viet" typeface="Arial"/>
-        <a:font script="Uigh" typeface="Microsoft Uighur"/>
-        <a:font script="Geor" typeface="Sylfaen"/>
-      </a:minorFont>
-    </a:fontScheme>
-    <a:fmtScheme name="Office">
-      <a:fillStyleLst>
-        <a:solidFill>
-          <a:schemeClr val="phClr"/>
-        </a:solidFill>
-        <a:gradFill rotWithShape="1">
-          <a:gsLst>
-            <a:gs pos="0">
-              <a:schemeClr val="phClr">
-                <a:tint val="50000"/>
-                <a:satMod val="300000"/>
-              </a:schemeClr>
-            </a:gs>
-            <a:gs pos="35000">
-              <a:schemeClr val="phClr">
-                <a:tint val="37000"/>
-                <a:satMod val="300000"/>
-              </a:schemeClr>
-            </a:gs>
-            <a:gs pos="100000">
-              <a:schemeClr val="phClr">
-                <a:tint val="15000"/>
-                <a:satMod val="350000"/>
-              </a:schemeClr>
-            </a:gs>
-          </a:gsLst>
-          <a:lin ang="16200000" scaled="1"/>
-        </a:gradFill>
-        <a:gradFill rotWithShape="1">
-          <a:gsLst>
-            <a:gs pos="0">
-              <a:schemeClr val="phClr">
-                <a:tint val="100000"/>
-                <a:shade val="100000"/>
-                <a:satMod val="130000"/>
-              </a:schemeClr>
-            </a:gs>
-            <a:gs pos="100000">
-              <a:schemeClr val="phClr">
-                <a:tint val="50000"/>
-                <a:shade val="100000"/>
-                <a:satMod val="350000"/>
-              </a:schemeClr>
-            </a:gs>
-          </a:gsLst>
-          <a:lin ang="16200000" scaled="0"/>
-        </a:gradFill>
-      </a:fillStyleLst>
-      <a:lnStyleLst>
-        <a:ln w="9525" cap="flat" cmpd="sng" algn="ctr">
-          <a:solidFill>
-            <a:schemeClr val="phClr">
-              <a:shade val="95000"/>
-              <a:satMod val="105000"/>
-            </a:schemeClr>
-          </a:solidFill>
-          <a:prstDash val="solid"/>
-        </a:ln>
-        <a:ln w="25400" cap="flat" cmpd="sng" algn="ctr">
-          <a:solidFill>
-            <a:schemeClr val="phClr"/>
-          </a:solidFill>
-          <a:prstDash val="solid"/>
-        </a:ln>
-        <a:ln w="38100" cap="flat" cmpd="sng" algn="ctr">
-          <a:solidFill>
-            <a:schemeClr val="phClr"/>
-          </a:solidFill>
-          <a:prstDash val="solid"/>
-        </a:ln>
-      </a:lnStyleLst>
-      <a:effectStyleLst>
-        <a:effectStyle>
-          <a:effectLst>
-            <a:outerShdw blurRad="40000" dist="20000" dir="5400000" rotWithShape="0">
-              <a:srgbClr val="000000">
-                <a:alpha val="38000"/>
-              </a:srgbClr>
-            </a:outerShdw>
-          </a:effectLst>
-        </a:effectStyle>
-        <a:effectStyle>
-          <a:effectLst>
-            <a:outerShdw blurRad="40000" dist="23000" dir="5400000" rotWithShape="0">
-              <a:srgbClr val="000000">
-                <a:alpha val="35000"/>
-              </a:srgbClr>
-            </a:outerShdw>
-          </a:effectLst>
-        </a:effectStyle>
-        <a:effectStyle>
-          <a:effectLst>
-            <a:outerShdw blurRad="40000" dist="23000" dir="5400000" rotWithShape="0">
-              <a:srgbClr val="000000">
-                <a:alpha val="35000"/>
-              </a:srgbClr>
-            </a:outerShdw>
-          </a:effectLst>
-          <a:scene3d>
-            <a:camera prst="orthographicFront">
-              <a:rot lat="0" lon="0" rev="0"/>
-            </a:camera>
-            <a:lightRig rig="threePt" dir="t">
-              <a:rot lat="0" lon="0" rev="1200000"/>
-            </a:lightRig>
-          </a:scene3d>
-          <a:sp3d>
-            <a:bevelT w="63500" h="25400"/>
-          </a:sp3d>
-        </a:effectStyle>
-      </a:effectStyleLst>
-      <a:bgFillStyleLst>
-        <a:solidFill>
-          <a:schemeClr val="phClr"/>
-        </a:solidFill>
-        <a:gradFill rotWithShape="1">
-          <a:gsLst>
-            <a:gs pos="0">
-              <a:schemeClr val="phClr">
-                <a:tint val="40000"/>
-                <a:satMod val="350000"/>
-              </a:schemeClr>
-            </a:gs>
-            <a:gs pos="40000">
-              <a:schemeClr val="phClr">
-                <a:tint val="45000"/>
-                <a:shade val="99000"/>
-                <a:satMod val="350000"/>
-              </a:schemeClr>
-            </a:gs>
-            <a:gs pos="100000">
-              <a:schemeClr val="phClr">
-                <a:shade val="20000"/>
-                <a:satMod val="255000"/>
-              </a:schemeClr>
-            </a:gs>
-          </a:gsLst>
-          <a:path path="circle">
-            <a:fillToRect l="50000" t="-80000" r="50000" b="180000"/>
-          </a:path>
-        </a:gradFill>
-        <a:gradFill rotWithShape="1">
-          <a:gsLst>
-            <a:gs pos="0">
-              <a:schemeClr val="phClr">
-                <a:tint val="80000"/>
-                <a:satMod val="300000"/>
-              </a:schemeClr>
-            </a:gs>
-            <a:gs pos="100000">
-              <a:schemeClr val="phClr">
-                <a:shade val="30000"/>
-                <a:satMod val="200000"/>
-              </a:schemeClr>
-            </a:gs>
-          </a:gsLst>
-          <a:path path="circle">
-            <a:fillToRect l="50000" t="50000" r="50000" b="50000"/>
-          </a:path>
-        </a:gradFill>
-      </a:bgFillStyleLst>
-    </a:fmtScheme>
-  </a:themeElements>
-</a:theme>
 </file>